--- a/PPT/shader处理流程图-20210209.pptx
+++ b/PPT/shader处理流程图-20210209.pptx
@@ -14,8 +14,8 @@
     <p:sldId id="269" r:id="rId7"/>
     <p:sldId id="270" r:id="rId8"/>
     <p:sldId id="271" r:id="rId9"/>
-    <p:sldId id="268" r:id="rId10"/>
-    <p:sldId id="265" r:id="rId11"/>
+    <p:sldId id="265" r:id="rId10"/>
+    <p:sldId id="273" r:id="rId11"/>
   </p:sldIdLst>
   <p:sldSz cx="12192000" cy="6858000"/>
   <p:notesSz cx="6858000" cy="9144000"/>
@@ -128,7 +128,6 @@
         <p14:section name="PM处理流程" id="{0F06179D-A5C6-4D24-9BA4-0C758687534C}">
           <p14:sldIdLst>
             <p14:sldId id="264"/>
-            <p14:sldId id="268"/>
             <p14:sldId id="266"/>
             <p14:sldId id="269"/>
             <p14:sldId id="270"/>
@@ -138,6 +137,7 @@
         <p14:section name="实例化渲染" id="{54ed33b0-787b-428c-b977-2e3446021edc}">
           <p14:sldIdLst>
             <p14:sldId id="265"/>
+            <p14:sldId id="273"/>
           </p14:sldIdLst>
         </p14:section>
       </p14:sectionLst>
@@ -600,6 +600,50 @@
 </file>
 
 <file path=ppt/notesSlides/notesSlide3.xml><?xml version="1.0" encoding="utf-8"?>
+<p:notes xmlns:a="http://schemas.openxmlformats.org/drawingml/2006/main" xmlns:r="http://schemas.openxmlformats.org/officeDocument/2006/relationships" xmlns:p="http://schemas.openxmlformats.org/presentationml/2006/main">
+  <p:cSld>
+    <p:spTree>
+      <p:nvGrpSpPr>
+        <p:cNvPr id="1" name=""/>
+        <p:cNvGrpSpPr/>
+        <p:nvPr/>
+      </p:nvGrpSpPr>
+      <p:grpSpPr/>
+      <p:sp>
+        <p:nvSpPr>
+          <p:cNvPr id="2" name="幻灯片图像占位符 1"/>
+          <p:cNvSpPr/>
+          <p:nvPr>
+            <p:ph type="sldImg" idx="2"/>
+          </p:nvPr>
+        </p:nvSpPr>
+        <p:spPr/>
+      </p:sp>
+      <p:sp>
+        <p:nvSpPr>
+          <p:cNvPr id="3" name="文本占位符 2"/>
+          <p:cNvSpPr/>
+          <p:nvPr>
+            <p:ph type="body" idx="3"/>
+          </p:nvPr>
+        </p:nvSpPr>
+        <p:spPr/>
+        <p:txBody>
+          <a:bodyPr/>
+          <a:p>
+            <a:endParaRPr lang="zh-CN" altLang="en-US"/>
+          </a:p>
+        </p:txBody>
+      </p:sp>
+    </p:spTree>
+  </p:cSld>
+  <p:clrMapOvr>
+    <a:masterClrMapping/>
+  </p:clrMapOvr>
+</p:notes>
+</file>
+
+<file path=ppt/notesSlides/notesSlide4.xml><?xml version="1.0" encoding="utf-8"?>
 <p:notes xmlns:a="http://schemas.openxmlformats.org/drawingml/2006/main" xmlns:r="http://schemas.openxmlformats.org/officeDocument/2006/relationships" xmlns:p="http://schemas.openxmlformats.org/presentationml/2006/main">
   <p:cSld>
     <p:spTree>
@@ -16859,159 +16903,27 @@
       </p:grpSpPr>
       <p:sp>
         <p:nvSpPr>
-          <p:cNvPr id="4" name="矩形 3"/>
-          <p:cNvSpPr/>
-          <p:nvPr/>
-        </p:nvSpPr>
-        <p:spPr>
-          <a:xfrm>
-            <a:off x="803910" y="4069715"/>
-            <a:ext cx="4826635" cy="2625725"/>
-          </a:xfrm>
-          <a:prstGeom prst="rect">
-            <a:avLst/>
-          </a:prstGeom>
-          <a:solidFill>
-            <a:schemeClr val="accent1">
-              <a:lumMod val="20000"/>
-              <a:lumOff val="80000"/>
-            </a:schemeClr>
-          </a:solidFill>
-        </p:spPr>
-        <p:style>
-          <a:lnRef idx="1">
-            <a:schemeClr val="accent3"/>
-          </a:lnRef>
-          <a:fillRef idx="2">
-            <a:schemeClr val="accent3"/>
-          </a:fillRef>
-          <a:effectRef idx="1">
-            <a:schemeClr val="accent3"/>
-          </a:effectRef>
-          <a:fontRef idx="minor">
-            <a:schemeClr val="dk1"/>
-          </a:fontRef>
-        </p:style>
-        <p:txBody>
-          <a:bodyPr rtlCol="0" anchor="ctr"/>
-          <a:lstStyle/>
-          <a:p>
-            <a:pPr algn="ctr"/>
-            <a:endParaRPr lang="zh-CN" altLang="en-US"/>
-          </a:p>
-        </p:txBody>
-      </p:sp>
-      <p:sp>
-        <p:nvSpPr>
-          <p:cNvPr id="3" name="矩形 2"/>
-          <p:cNvSpPr/>
-          <p:nvPr/>
-        </p:nvSpPr>
-        <p:spPr>
-          <a:xfrm>
-            <a:off x="803275" y="3303270"/>
-            <a:ext cx="4827270" cy="557530"/>
-          </a:xfrm>
-          <a:prstGeom prst="rect">
-            <a:avLst/>
-          </a:prstGeom>
-          <a:solidFill>
-            <a:schemeClr val="accent1">
-              <a:lumMod val="20000"/>
-              <a:lumOff val="80000"/>
-            </a:schemeClr>
-          </a:solidFill>
-        </p:spPr>
-        <p:style>
-          <a:lnRef idx="1">
-            <a:schemeClr val="accent3"/>
-          </a:lnRef>
-          <a:fillRef idx="2">
-            <a:schemeClr val="accent3"/>
-          </a:fillRef>
-          <a:effectRef idx="1">
-            <a:schemeClr val="accent3"/>
-          </a:effectRef>
-          <a:fontRef idx="minor">
-            <a:schemeClr val="dk1"/>
-          </a:fontRef>
-        </p:style>
-        <p:txBody>
-          <a:bodyPr rtlCol="0" anchor="ctr"/>
-          <a:lstStyle/>
-          <a:p>
-            <a:pPr algn="ctr"/>
-            <a:endParaRPr lang="zh-CN" altLang="en-US"/>
-          </a:p>
-        </p:txBody>
-      </p:sp>
-      <p:sp>
-        <p:nvSpPr>
-          <p:cNvPr id="2" name="矩形 1"/>
-          <p:cNvSpPr/>
-          <p:nvPr/>
-        </p:nvSpPr>
-        <p:spPr>
-          <a:xfrm>
-            <a:off x="803910" y="410845"/>
-            <a:ext cx="4826635" cy="2676525"/>
-          </a:xfrm>
-          <a:prstGeom prst="rect">
-            <a:avLst/>
-          </a:prstGeom>
-          <a:solidFill>
-            <a:schemeClr val="accent1">
-              <a:lumMod val="20000"/>
-              <a:lumOff val="80000"/>
-            </a:schemeClr>
-          </a:solidFill>
-        </p:spPr>
-        <p:style>
-          <a:lnRef idx="1">
-            <a:schemeClr val="accent3"/>
-          </a:lnRef>
-          <a:fillRef idx="2">
-            <a:schemeClr val="accent3"/>
-          </a:fillRef>
-          <a:effectRef idx="1">
-            <a:schemeClr val="accent3"/>
-          </a:effectRef>
-          <a:fontRef idx="minor">
-            <a:schemeClr val="dk1"/>
-          </a:fontRef>
-        </p:style>
-        <p:txBody>
-          <a:bodyPr rtlCol="0" anchor="ctr"/>
-          <a:lstStyle/>
-          <a:p>
-            <a:pPr algn="ctr"/>
-            <a:endParaRPr lang="zh-CN" altLang="en-US"/>
-          </a:p>
-        </p:txBody>
-      </p:sp>
-      <p:sp>
-        <p:nvSpPr>
-          <p:cNvPr id="70" name="矩形 69"/>
-          <p:cNvSpPr/>
-          <p:nvPr/>
-        </p:nvSpPr>
-        <p:spPr>
-          <a:xfrm>
-            <a:off x="299085" y="170815"/>
-            <a:ext cx="11783695" cy="6245225"/>
+          <p:cNvPr id="63" name="矩形 62"/>
+          <p:cNvSpPr/>
+          <p:nvPr/>
+        </p:nvSpPr>
+        <p:spPr>
+          <a:xfrm>
+            <a:off x="146050" y="2060575"/>
+            <a:ext cx="2369185" cy="4493895"/>
           </a:xfrm>
           <a:prstGeom prst="rect">
             <a:avLst/>
           </a:prstGeom>
           <a:noFill/>
-          <a:ln w="28575">
+          <a:ln w="38100">
             <a:solidFill>
               <a:schemeClr val="accent1">
-                <a:lumMod val="40000"/>
-                <a:lumOff val="60000"/>
+                <a:lumMod val="60000"/>
+                <a:lumOff val="40000"/>
               </a:schemeClr>
             </a:solidFill>
-            <a:prstDash val="sysDash"/>
+            <a:prstDash val="sysDot"/>
           </a:ln>
         </p:spPr>
         <p:style>
@@ -17041,35 +16953,28 @@
       </p:sp>
       <p:sp>
         <p:nvSpPr>
-          <p:cNvPr id="45" name="五边形 44"/>
-          <p:cNvSpPr/>
-          <p:nvPr/>
-        </p:nvSpPr>
-        <p:spPr>
-          <a:xfrm>
-            <a:off x="1298575" y="328295"/>
-            <a:ext cx="1805940" cy="215900"/>
-          </a:xfrm>
-          <a:prstGeom prst="homePlate">
-            <a:avLst/>
-          </a:prstGeom>
-          <a:effectLst>
-            <a:outerShdw blurRad="88900" dir="19140000" algn="bl" rotWithShape="0">
-              <a:prstClr val="black">
-                <a:alpha val="40000"/>
-              </a:prstClr>
-            </a:outerShdw>
-          </a:effectLst>
-        </p:spPr>
-        <p:style>
-          <a:lnRef idx="3">
-            <a:schemeClr val="lt1"/>
-          </a:lnRef>
-          <a:fillRef idx="1">
-            <a:schemeClr val="accent6"/>
-          </a:fillRef>
-          <a:effectRef idx="1">
-            <a:schemeClr val="accent6"/>
+          <p:cNvPr id="58" name="矩形 57"/>
+          <p:cNvSpPr/>
+          <p:nvPr/>
+        </p:nvSpPr>
+        <p:spPr>
+          <a:xfrm>
+            <a:off x="2821940" y="2287905"/>
+            <a:ext cx="2834640" cy="2096770"/>
+          </a:xfrm>
+          <a:prstGeom prst="rect">
+            <a:avLst/>
+          </a:prstGeom>
+        </p:spPr>
+        <p:style>
+          <a:lnRef idx="0">
+            <a:schemeClr val="accent5"/>
+          </a:lnRef>
+          <a:fillRef idx="3">
+            <a:schemeClr val="accent5"/>
+          </a:fillRef>
+          <a:effectRef idx="3">
+            <a:schemeClr val="accent5"/>
           </a:effectRef>
           <a:fontRef idx="minor">
             <a:schemeClr val="lt1"/>
@@ -17081,131 +16986,147 @@
           <a:p>
             <a:pPr algn="ctr"/>
             <a:r>
+              <a:rPr lang="zh-CN" altLang="en-US" sz="2400" b="1" dirty="0">
+                <a:effectLst>
+                  <a:outerShdw blurRad="38100" dist="38100" dir="2700000" algn="tl">
+                    <a:srgbClr val="000000">
+                      <a:alpha val="43137"/>
+                    </a:srgbClr>
+                  </a:outerShdw>
+                </a:effectLst>
+                <a:latin typeface="微软雅黑" panose="020B0503020204020204" pitchFamily="34" charset="-122"/>
+                <a:ea typeface="微软雅黑" panose="020B0503020204020204" pitchFamily="34" charset="-122"/>
+              </a:rPr>
+              <a:t>顶点着色器</a:t>
+            </a:r>
+            <a:endParaRPr lang="zh-CN" altLang="en-US" sz="2400" b="1" dirty="0">
+              <a:effectLst>
+                <a:outerShdw blurRad="38100" dist="38100" dir="2700000" algn="tl">
+                  <a:srgbClr val="000000">
+                    <a:alpha val="43137"/>
+                  </a:srgbClr>
+                </a:outerShdw>
+              </a:effectLst>
+              <a:latin typeface="微软雅黑" panose="020B0503020204020204" pitchFamily="34" charset="-122"/>
+              <a:ea typeface="微软雅黑" panose="020B0503020204020204" pitchFamily="34" charset="-122"/>
+            </a:endParaRPr>
+          </a:p>
+        </p:txBody>
+      </p:sp>
+      <p:sp>
+        <p:nvSpPr>
+          <p:cNvPr id="59" name="矩形 58"/>
+          <p:cNvSpPr/>
+          <p:nvPr/>
+        </p:nvSpPr>
+        <p:spPr>
+          <a:xfrm>
+            <a:off x="8785860" y="2342515"/>
+            <a:ext cx="2835910" cy="2041525"/>
+          </a:xfrm>
+          <a:prstGeom prst="rect">
+            <a:avLst/>
+          </a:prstGeom>
+        </p:spPr>
+        <p:style>
+          <a:lnRef idx="0">
+            <a:schemeClr val="accent5"/>
+          </a:lnRef>
+          <a:fillRef idx="3">
+            <a:schemeClr val="accent5"/>
+          </a:fillRef>
+          <a:effectRef idx="3">
+            <a:schemeClr val="accent5"/>
+          </a:effectRef>
+          <a:fontRef idx="minor">
+            <a:schemeClr val="lt1"/>
+          </a:fontRef>
+        </p:style>
+        <p:txBody>
+          <a:bodyPr rtlCol="0" anchor="ctr"/>
+          <a:lstStyle/>
+          <a:p>
+            <a:pPr algn="ctr"/>
+            <a:r>
+              <a:rPr lang="zh-CN" altLang="en-US" sz="2400" b="1" dirty="0">
+                <a:effectLst>
+                  <a:outerShdw blurRad="38100" dist="38100" dir="2700000" algn="tl">
+                    <a:srgbClr val="000000">
+                      <a:alpha val="43137"/>
+                    </a:srgbClr>
+                  </a:outerShdw>
+                </a:effectLst>
+                <a:latin typeface="微软雅黑" panose="020B0503020204020204" pitchFamily="34" charset="-122"/>
+                <a:ea typeface="微软雅黑" panose="020B0503020204020204" pitchFamily="34" charset="-122"/>
+              </a:rPr>
+              <a:t>片元着色器</a:t>
+            </a:r>
+            <a:endParaRPr lang="zh-CN" altLang="en-US" sz="2400" b="1" dirty="0">
+              <a:effectLst>
+                <a:outerShdw blurRad="38100" dist="38100" dir="2700000" algn="tl">
+                  <a:srgbClr val="000000">
+                    <a:alpha val="43137"/>
+                  </a:srgbClr>
+                </a:outerShdw>
+              </a:effectLst>
+              <a:latin typeface="微软雅黑" panose="020B0503020204020204" pitchFamily="34" charset="-122"/>
+              <a:ea typeface="微软雅黑" panose="020B0503020204020204" pitchFamily="34" charset="-122"/>
+            </a:endParaRPr>
+          </a:p>
+        </p:txBody>
+      </p:sp>
+      <p:sp>
+        <p:nvSpPr>
+          <p:cNvPr id="2" name="文本框 1"/>
+          <p:cNvSpPr txBox="1"/>
+          <p:nvPr/>
+        </p:nvSpPr>
+        <p:spPr>
+          <a:xfrm>
+            <a:off x="386080" y="2174875"/>
+            <a:ext cx="1989455" cy="368300"/>
+          </a:xfrm>
+          <a:prstGeom prst="rect">
+            <a:avLst/>
+          </a:prstGeom>
+          <a:noFill/>
+        </p:spPr>
+        <p:txBody>
+          <a:bodyPr wrap="square" rtlCol="0">
+            <a:spAutoFit/>
+          </a:bodyPr>
+          <a:p>
+            <a:r>
               <a:rPr lang="zh-CN" altLang="en-US"/>
-              <a:t>server</a:t>
-            </a:r>
-            <a:endParaRPr lang="zh-CN" altLang="en-US"/>
-          </a:p>
-        </p:txBody>
-      </p:sp>
-      <p:sp>
-        <p:nvSpPr>
-          <p:cNvPr id="49" name="五边形 48"/>
-          <p:cNvSpPr/>
-          <p:nvPr/>
-        </p:nvSpPr>
-        <p:spPr>
-          <a:xfrm>
-            <a:off x="1298575" y="3165475"/>
-            <a:ext cx="1805940" cy="252730"/>
-          </a:xfrm>
-          <a:prstGeom prst="homePlate">
-            <a:avLst/>
-          </a:prstGeom>
-          <a:effectLst>
-            <a:outerShdw blurRad="88900" dir="19140000" algn="bl" rotWithShape="0">
-              <a:prstClr val="black">
-                <a:alpha val="40000"/>
-              </a:prstClr>
-            </a:outerShdw>
-          </a:effectLst>
-        </p:spPr>
-        <p:style>
-          <a:lnRef idx="3">
-            <a:schemeClr val="lt1"/>
-          </a:lnRef>
-          <a:fillRef idx="1">
-            <a:schemeClr val="accent6"/>
-          </a:fillRef>
-          <a:effectRef idx="1">
-            <a:schemeClr val="accent6"/>
-          </a:effectRef>
-          <a:fontRef idx="minor">
-            <a:schemeClr val="lt1"/>
-          </a:fontRef>
-        </p:style>
-        <p:txBody>
-          <a:bodyPr rtlCol="0" anchor="ctr"/>
-          <a:lstStyle/>
-          <a:p>
-            <a:pPr algn="ctr"/>
-            <a:r>
-              <a:rPr lang="zh-CN" altLang="en-US"/>
-              <a:t>transmission</a:t>
-            </a:r>
-            <a:endParaRPr lang="zh-CN" altLang="en-US"/>
-          </a:p>
-        </p:txBody>
-      </p:sp>
-      <p:sp>
-        <p:nvSpPr>
-          <p:cNvPr id="50" name="五边形 49"/>
-          <p:cNvSpPr/>
-          <p:nvPr/>
-        </p:nvSpPr>
-        <p:spPr>
-          <a:xfrm>
-            <a:off x="1298575" y="3915410"/>
-            <a:ext cx="1809750" cy="252095"/>
-          </a:xfrm>
-          <a:prstGeom prst="homePlate">
-            <a:avLst/>
-          </a:prstGeom>
-          <a:effectLst>
-            <a:outerShdw blurRad="88900" dir="19140000" algn="bl" rotWithShape="0">
-              <a:prstClr val="black">
-                <a:alpha val="40000"/>
-              </a:prstClr>
-            </a:outerShdw>
-          </a:effectLst>
-        </p:spPr>
-        <p:style>
-          <a:lnRef idx="3">
-            <a:schemeClr val="lt1"/>
-          </a:lnRef>
-          <a:fillRef idx="1">
-            <a:schemeClr val="accent6"/>
-          </a:fillRef>
-          <a:effectRef idx="1">
-            <a:schemeClr val="accent6"/>
-          </a:effectRef>
-          <a:fontRef idx="minor">
-            <a:schemeClr val="lt1"/>
-          </a:fontRef>
-        </p:style>
-        <p:txBody>
-          <a:bodyPr rtlCol="0" anchor="ctr"/>
-          <a:lstStyle/>
-          <a:p>
-            <a:pPr algn="ctr"/>
-            <a:r>
-              <a:rPr lang="zh-CN" altLang="en-US"/>
-              <a:t>client</a:t>
-            </a:r>
-            <a:endParaRPr lang="zh-CN" altLang="en-US"/>
-          </a:p>
-        </p:txBody>
-      </p:sp>
-      <p:sp>
-        <p:nvSpPr>
-          <p:cNvPr id="5" name="矩形 4"/>
-          <p:cNvSpPr/>
-          <p:nvPr/>
-        </p:nvSpPr>
-        <p:spPr>
-          <a:xfrm>
-            <a:off x="417195" y="677545"/>
-            <a:ext cx="11557635" cy="2784475"/>
+              <a:t>Attribute属性变量</a:t>
+            </a:r>
+            <a:endParaRPr lang="zh-CN" altLang="en-US"/>
+          </a:p>
+        </p:txBody>
+      </p:sp>
+      <p:sp>
+        <p:nvSpPr>
+          <p:cNvPr id="3" name="矩形 2"/>
+          <p:cNvSpPr/>
+          <p:nvPr/>
+        </p:nvSpPr>
+        <p:spPr>
+          <a:xfrm>
+            <a:off x="6103620" y="2342515"/>
+            <a:ext cx="2298065" cy="2125980"/>
           </a:xfrm>
           <a:prstGeom prst="rect">
             <a:avLst/>
           </a:prstGeom>
           <a:noFill/>
-          <a:ln>
+          <a:ln w="38100">
             <a:solidFill>
-              <a:srgbClr val="FFC000"/>
+              <a:schemeClr val="accent1">
+                <a:lumMod val="60000"/>
+                <a:lumOff val="40000"/>
+              </a:schemeClr>
             </a:solidFill>
-            <a:prstDash val="sysDash"/>
+            <a:prstDash val="sysDot"/>
           </a:ln>
         </p:spPr>
         <p:style>
@@ -17226,7 +17147,6 @@
         </p:style>
         <p:txBody>
           <a:bodyPr rtlCol="0" anchor="ctr"/>
-          <a:lstStyle/>
           <a:p>
             <a:pPr algn="ctr"/>
             <a:endParaRPr lang="zh-CN" altLang="en-US"/>
@@ -17235,14 +17155,14 @@
       </p:sp>
       <p:sp>
         <p:nvSpPr>
-          <p:cNvPr id="6" name="文本框 5"/>
+          <p:cNvPr id="4" name="文本框 3"/>
           <p:cNvSpPr txBox="1"/>
           <p:nvPr/>
         </p:nvSpPr>
         <p:spPr>
           <a:xfrm>
-            <a:off x="7497445" y="1242695"/>
-            <a:ext cx="1411605" cy="645160"/>
+            <a:off x="6257925" y="2626360"/>
+            <a:ext cx="1989455" cy="368300"/>
           </a:xfrm>
           <a:prstGeom prst="rect">
             <a:avLst/>
@@ -17253,61 +17173,39 @@
           <a:bodyPr wrap="square" rtlCol="0">
             <a:spAutoFit/>
           </a:bodyPr>
-          <a:lstStyle/>
-          <a:p>
-            <a:r>
-              <a:rPr kumimoji="1" b="1">
-                <a:effectLst>
-                  <a:outerShdw blurRad="50800" dist="38100" dir="2700000" algn="tl" rotWithShape="0">
-                    <a:prstClr val="black">
-                      <a:alpha val="40000"/>
-                    </a:prstClr>
-                  </a:outerShdw>
-                </a:effectLst>
-                <a:sym typeface="+mn-ea"/>
-              </a:rPr>
-              <a:t>Model </a:t>
-            </a:r>
-            <a:r>
-              <a:rPr kumimoji="1" lang="en-US" b="1">
-                <a:effectLst>
-                  <a:outerShdw blurRad="50800" dist="38100" dir="2700000" algn="tl" rotWithShape="0">
-                    <a:prstClr val="black">
-                      <a:alpha val="40000"/>
-                    </a:prstClr>
-                  </a:outerShdw>
-                </a:effectLst>
-                <a:sym typeface="+mn-ea"/>
-              </a:rPr>
-              <a:t>geometry</a:t>
-            </a:r>
-            <a:endParaRPr kumimoji="1" lang="en-US" b="1">
-              <a:effectLst>
-                <a:outerShdw blurRad="50800" dist="38100" dir="2700000" algn="tl" rotWithShape="0">
-                  <a:prstClr val="black">
-                    <a:alpha val="40000"/>
-                  </a:prstClr>
-                </a:outerShdw>
-              </a:effectLst>
-              <a:sym typeface="+mn-ea"/>
-            </a:endParaRPr>
-          </a:p>
-        </p:txBody>
-      </p:sp>
-      <p:sp>
-        <p:nvSpPr>
-          <p:cNvPr id="28" name="燕尾形 27"/>
-          <p:cNvSpPr/>
-          <p:nvPr/>
-        </p:nvSpPr>
-        <p:spPr>
-          <a:xfrm>
-            <a:off x="1038225" y="4260850"/>
-            <a:ext cx="3306445" cy="346710"/>
-          </a:xfrm>
-          <a:prstGeom prst="chevron">
-            <a:avLst/>
-          </a:prstGeom>
+          <a:p>
+            <a:r>
+              <a:rPr lang="zh-CN" altLang="en-US"/>
+              <a:t>Varying变量</a:t>
+            </a:r>
+            <a:endParaRPr lang="zh-CN" altLang="en-US"/>
+          </a:p>
+        </p:txBody>
+      </p:sp>
+      <p:sp>
+        <p:nvSpPr>
+          <p:cNvPr id="10" name="矩形 9"/>
+          <p:cNvSpPr/>
+          <p:nvPr/>
+        </p:nvSpPr>
+        <p:spPr>
+          <a:xfrm>
+            <a:off x="3318510" y="4918075"/>
+            <a:ext cx="2337435" cy="1559560"/>
+          </a:xfrm>
+          <a:prstGeom prst="rect">
+            <a:avLst/>
+          </a:prstGeom>
+          <a:noFill/>
+          <a:ln w="38100">
+            <a:solidFill>
+              <a:schemeClr val="accent1">
+                <a:lumMod val="60000"/>
+                <a:lumOff val="40000"/>
+              </a:schemeClr>
+            </a:solidFill>
+            <a:prstDash val="sysDot"/>
+          </a:ln>
         </p:spPr>
         <p:style>
           <a:lnRef idx="2">
@@ -17329,26 +17227,20 @@
           <a:bodyPr rtlCol="0" anchor="ctr"/>
           <a:p>
             <a:pPr algn="ctr"/>
-            <a:r>
-              <a:rPr lang="zh-CN" altLang="en-US">
-                <a:sym typeface="+mn-ea"/>
-              </a:rPr>
-              <a:t>Mesh fineness improvements</a:t>
-            </a:r>
-            <a:endParaRPr lang="zh-CN" altLang="en-US"/>
-          </a:p>
-        </p:txBody>
-      </p:sp>
-      <p:sp>
-        <p:nvSpPr>
-          <p:cNvPr id="37" name="文本框 36"/>
+            <a:endParaRPr lang="zh-CN" altLang="en-US"/>
+          </a:p>
+        </p:txBody>
+      </p:sp>
+      <p:sp>
+        <p:nvSpPr>
+          <p:cNvPr id="12" name="文本框 11"/>
           <p:cNvSpPr txBox="1"/>
           <p:nvPr/>
         </p:nvSpPr>
         <p:spPr>
           <a:xfrm>
-            <a:off x="2609215" y="2276475"/>
-            <a:ext cx="817245" cy="245110"/>
+            <a:off x="3492500" y="5170170"/>
+            <a:ext cx="1989455" cy="368300"/>
           </a:xfrm>
           <a:prstGeom prst="rect">
             <a:avLst/>
@@ -17361,70 +17253,37 @@
           </a:bodyPr>
           <a:p>
             <a:r>
-              <a:rPr lang="en-US" altLang="zh-CN" sz="1000">
-                <a:sym typeface="+mn-ea"/>
-              </a:rPr>
-              <a:t>Faces</a:t>
-            </a:r>
-            <a:r>
-              <a:rPr lang="zh-CN" altLang="en-US" sz="1000"/>
-              <a:t>：</a:t>
-            </a:r>
-            <a:r>
-              <a:rPr lang="en-US" altLang="zh-CN" sz="1000"/>
-              <a:t>540</a:t>
-            </a:r>
-            <a:endParaRPr lang="en-US" altLang="zh-CN" sz="1000"/>
-          </a:p>
-        </p:txBody>
-      </p:sp>
-      <p:sp>
-        <p:nvSpPr>
-          <p:cNvPr id="38" name="文本框 37"/>
-          <p:cNvSpPr txBox="1"/>
-          <p:nvPr/>
-        </p:nvSpPr>
-        <p:spPr>
-          <a:xfrm>
-            <a:off x="1567180" y="2276475"/>
-            <a:ext cx="783590" cy="245110"/>
+              <a:rPr lang="zh-CN" altLang="en-US"/>
+              <a:t>内建输出变量</a:t>
+            </a:r>
+            <a:endParaRPr lang="zh-CN" altLang="en-US"/>
+          </a:p>
+        </p:txBody>
+      </p:sp>
+      <p:sp>
+        <p:nvSpPr>
+          <p:cNvPr id="14" name="矩形 13"/>
+          <p:cNvSpPr/>
+          <p:nvPr/>
+        </p:nvSpPr>
+        <p:spPr>
+          <a:xfrm>
+            <a:off x="7720965" y="125730"/>
+            <a:ext cx="2113915" cy="1559560"/>
           </a:xfrm>
           <a:prstGeom prst="rect">
             <a:avLst/>
           </a:prstGeom>
           <a:noFill/>
-        </p:spPr>
-        <p:txBody>
-          <a:bodyPr wrap="square" rtlCol="0">
-            <a:spAutoFit/>
-          </a:bodyPr>
-          <a:p>
-            <a:r>
-              <a:rPr lang="en-US" altLang="zh-CN" sz="1000"/>
-              <a:t>Faces:</a:t>
-            </a:r>
-            <a:r>
-              <a:rPr lang="en-US" altLang="zh-CN" sz="1000"/>
-              <a:t>592</a:t>
-            </a:r>
-            <a:endParaRPr lang="en-US" altLang="zh-CN" sz="1000"/>
-          </a:p>
-        </p:txBody>
-      </p:sp>
-      <p:sp>
-        <p:nvSpPr>
-          <p:cNvPr id="7" name="燕尾形 6"/>
-          <p:cNvSpPr/>
-          <p:nvPr/>
-        </p:nvSpPr>
-        <p:spPr>
-          <a:xfrm>
-            <a:off x="1889125" y="614680"/>
-            <a:ext cx="3306445" cy="346710"/>
-          </a:xfrm>
-          <a:prstGeom prst="chevron">
-            <a:avLst/>
-          </a:prstGeom>
+          <a:ln w="38100">
+            <a:solidFill>
+              <a:schemeClr val="accent1">
+                <a:lumMod val="60000"/>
+                <a:lumOff val="40000"/>
+              </a:schemeClr>
+            </a:solidFill>
+            <a:prstDash val="sysDot"/>
+          </a:ln>
         </p:spPr>
         <p:style>
           <a:lnRef idx="2">
@@ -17446,122 +17305,20 @@
           <a:bodyPr rtlCol="0" anchor="ctr"/>
           <a:p>
             <a:pPr algn="ctr"/>
-            <a:r>
-              <a:rPr lang="zh-CN" altLang="en-US">
-                <a:sym typeface="+mn-ea"/>
-              </a:rPr>
-              <a:t>Mesh simplification</a:t>
-            </a:r>
-            <a:endParaRPr lang="zh-CN" altLang="en-US"/>
-          </a:p>
-        </p:txBody>
-      </p:sp>
-      <p:pic>
-        <p:nvPicPr>
-          <p:cNvPr id="13" name="图片 12" descr="2{_O2@ION09[ZP1O31H{QZS"/>
-          <p:cNvPicPr>
-            <a:picLocks noChangeAspect="1"/>
-          </p:cNvPicPr>
-          <p:nvPr/>
-        </p:nvPicPr>
-        <p:blipFill>
-          <a:blip r:embed="rId1"/>
-          <a:stretch>
-            <a:fillRect/>
-          </a:stretch>
-        </p:blipFill>
-        <p:spPr>
-          <a:xfrm>
-            <a:off x="1524635" y="1099185"/>
-            <a:ext cx="806450" cy="1073785"/>
-          </a:xfrm>
-          <a:prstGeom prst="rect">
-            <a:avLst/>
-          </a:prstGeom>
-        </p:spPr>
-      </p:pic>
-      <p:pic>
-        <p:nvPicPr>
-          <p:cNvPr id="16" name="图片 15" descr="4TMQX_0UD(HFD{[RTA6553P"/>
-          <p:cNvPicPr>
-            <a:picLocks noChangeAspect="1"/>
-          </p:cNvPicPr>
-          <p:nvPr/>
-        </p:nvPicPr>
-        <p:blipFill>
-          <a:blip r:embed="rId2"/>
-          <a:stretch>
-            <a:fillRect/>
-          </a:stretch>
-        </p:blipFill>
-        <p:spPr>
-          <a:xfrm>
-            <a:off x="2602230" y="1099185"/>
-            <a:ext cx="812165" cy="1077595"/>
-          </a:xfrm>
-          <a:prstGeom prst="rect">
-            <a:avLst/>
-          </a:prstGeom>
-        </p:spPr>
-      </p:pic>
-      <p:pic>
-        <p:nvPicPr>
-          <p:cNvPr id="34" name="图片 33" descr="{@IR23U)OJ@7$$(A4WGH{`D"/>
-          <p:cNvPicPr>
-            <a:picLocks noChangeAspect="1"/>
-          </p:cNvPicPr>
-          <p:nvPr/>
-        </p:nvPicPr>
-        <p:blipFill>
-          <a:blip r:embed="rId3"/>
-          <a:stretch>
-            <a:fillRect/>
-          </a:stretch>
-        </p:blipFill>
-        <p:spPr>
-          <a:xfrm>
-            <a:off x="3645535" y="1099185"/>
-            <a:ext cx="799465" cy="1087755"/>
-          </a:xfrm>
-          <a:prstGeom prst="rect">
-            <a:avLst/>
-          </a:prstGeom>
-        </p:spPr>
-      </p:pic>
-      <p:pic>
-        <p:nvPicPr>
-          <p:cNvPr id="43" name="图片 42" descr="9}V4([VFP[112H20ZQ{]WQQ"/>
-          <p:cNvPicPr>
-            <a:picLocks noChangeAspect="1"/>
-          </p:cNvPicPr>
-          <p:nvPr/>
-        </p:nvPicPr>
-        <p:blipFill>
-          <a:blip r:embed="rId4"/>
-          <a:stretch>
-            <a:fillRect/>
-          </a:stretch>
-        </p:blipFill>
-        <p:spPr>
-          <a:xfrm>
-            <a:off x="4599305" y="1099185"/>
-            <a:ext cx="831850" cy="1102360"/>
-          </a:xfrm>
-          <a:prstGeom prst="rect">
-            <a:avLst/>
-          </a:prstGeom>
-        </p:spPr>
-      </p:pic>
-      <p:sp>
-        <p:nvSpPr>
-          <p:cNvPr id="44" name="文本框 43"/>
+            <a:endParaRPr lang="zh-CN" altLang="en-US"/>
+          </a:p>
+        </p:txBody>
+      </p:sp>
+      <p:sp>
+        <p:nvSpPr>
+          <p:cNvPr id="15" name="文本框 14"/>
           <p:cNvSpPr txBox="1"/>
           <p:nvPr/>
         </p:nvSpPr>
         <p:spPr>
           <a:xfrm>
-            <a:off x="3680460" y="2276475"/>
-            <a:ext cx="802005" cy="245110"/>
+            <a:off x="7720330" y="210185"/>
+            <a:ext cx="1989455" cy="368300"/>
           </a:xfrm>
           <a:prstGeom prst="rect">
             <a:avLst/>
@@ -17574,338 +17331,37 @@
           </a:bodyPr>
           <a:p>
             <a:r>
-              <a:rPr lang="en-US" altLang="zh-CN" sz="1000">
-                <a:sym typeface="+mn-ea"/>
-              </a:rPr>
-              <a:t>Faces</a:t>
-            </a:r>
-            <a:r>
-              <a:rPr lang="zh-CN" altLang="en-US" sz="1000"/>
-              <a:t>：</a:t>
-            </a:r>
-            <a:r>
-              <a:rPr lang="en-US" altLang="zh-CN" sz="1000"/>
-              <a:t>3</a:t>
-            </a:r>
-            <a:r>
-              <a:rPr lang="en-US" altLang="zh-CN" sz="1000"/>
-              <a:t>40</a:t>
-            </a:r>
-            <a:endParaRPr lang="en-US" altLang="zh-CN" sz="1000"/>
-          </a:p>
-        </p:txBody>
-      </p:sp>
-      <p:sp>
-        <p:nvSpPr>
-          <p:cNvPr id="46" name="文本框 45"/>
-          <p:cNvSpPr txBox="1"/>
-          <p:nvPr/>
-        </p:nvSpPr>
-        <p:spPr>
-          <a:xfrm>
-            <a:off x="4608830" y="2276475"/>
-            <a:ext cx="838200" cy="245110"/>
+              <a:rPr lang="zh-CN" altLang="en-US"/>
+              <a:t>Uniform一致变量</a:t>
+            </a:r>
+            <a:endParaRPr lang="zh-CN" altLang="en-US"/>
+          </a:p>
+        </p:txBody>
+      </p:sp>
+      <p:sp>
+        <p:nvSpPr>
+          <p:cNvPr id="17" name="矩形 16"/>
+          <p:cNvSpPr/>
+          <p:nvPr/>
+        </p:nvSpPr>
+        <p:spPr>
+          <a:xfrm>
+            <a:off x="10014585" y="125730"/>
+            <a:ext cx="2038985" cy="1559560"/>
           </a:xfrm>
           <a:prstGeom prst="rect">
             <a:avLst/>
           </a:prstGeom>
           <a:noFill/>
-        </p:spPr>
-        <p:txBody>
-          <a:bodyPr wrap="square" rtlCol="0">
-            <a:spAutoFit/>
-          </a:bodyPr>
-          <a:p>
-            <a:r>
-              <a:rPr lang="en-US" altLang="zh-CN" sz="1000">
-                <a:sym typeface="+mn-ea"/>
-              </a:rPr>
-              <a:t>Faces</a:t>
-            </a:r>
-            <a:r>
-              <a:rPr lang="zh-CN" altLang="en-US" sz="1000"/>
-              <a:t>：</a:t>
-            </a:r>
-            <a:r>
-              <a:rPr lang="en-US" altLang="zh-CN" sz="1000"/>
-              <a:t>1</a:t>
-            </a:r>
-            <a:r>
-              <a:rPr lang="en-US" altLang="zh-CN" sz="1000"/>
-              <a:t>40</a:t>
-            </a:r>
-            <a:endParaRPr lang="en-US" altLang="zh-CN" sz="1000"/>
-          </a:p>
-        </p:txBody>
-      </p:sp>
-      <p:pic>
-        <p:nvPicPr>
-          <p:cNvPr id="47" name="图片 46"/>
-          <p:cNvPicPr>
-            <a:picLocks noChangeAspect="1"/>
-          </p:cNvPicPr>
-          <p:nvPr/>
-        </p:nvPicPr>
-        <p:blipFill>
-          <a:blip r:embed="rId5"/>
-          <a:stretch>
-            <a:fillRect/>
-          </a:stretch>
-        </p:blipFill>
-        <p:spPr>
-          <a:xfrm>
-            <a:off x="981710" y="4737735"/>
-            <a:ext cx="638810" cy="1184910"/>
-          </a:xfrm>
-          <a:prstGeom prst="rect">
-            <a:avLst/>
-          </a:prstGeom>
-        </p:spPr>
-      </p:pic>
-      <p:pic>
-        <p:nvPicPr>
-          <p:cNvPr id="48" name="图片 47"/>
-          <p:cNvPicPr>
-            <a:picLocks noChangeAspect="1"/>
-          </p:cNvPicPr>
-          <p:nvPr/>
-        </p:nvPicPr>
-        <p:blipFill>
-          <a:blip r:embed="rId6"/>
-          <a:stretch>
-            <a:fillRect/>
-          </a:stretch>
-        </p:blipFill>
-        <p:spPr>
-          <a:xfrm>
-            <a:off x="1831340" y="4749800"/>
-            <a:ext cx="605790" cy="1161415"/>
-          </a:xfrm>
-          <a:prstGeom prst="rect">
-            <a:avLst/>
-          </a:prstGeom>
-        </p:spPr>
-      </p:pic>
-      <p:pic>
-        <p:nvPicPr>
-          <p:cNvPr id="51" name="图片 50"/>
-          <p:cNvPicPr>
-            <a:picLocks noChangeAspect="1"/>
-          </p:cNvPicPr>
-          <p:nvPr/>
-        </p:nvPicPr>
-        <p:blipFill>
-          <a:blip r:embed="rId7"/>
-          <a:stretch>
-            <a:fillRect/>
-          </a:stretch>
-        </p:blipFill>
-        <p:spPr>
-          <a:xfrm>
-            <a:off x="2699385" y="4747260"/>
-            <a:ext cx="598170" cy="1137920"/>
-          </a:xfrm>
-          <a:prstGeom prst="rect">
-            <a:avLst/>
-          </a:prstGeom>
-        </p:spPr>
-      </p:pic>
-      <p:pic>
-        <p:nvPicPr>
-          <p:cNvPr id="52" name="图片 51"/>
-          <p:cNvPicPr>
-            <a:picLocks noChangeAspect="1"/>
-          </p:cNvPicPr>
-          <p:nvPr/>
-        </p:nvPicPr>
-        <p:blipFill>
-          <a:blip r:embed="rId8"/>
-          <a:stretch>
-            <a:fillRect/>
-          </a:stretch>
-        </p:blipFill>
-        <p:spPr>
-          <a:xfrm>
-            <a:off x="3567430" y="4749800"/>
-            <a:ext cx="583565" cy="1116330"/>
-          </a:xfrm>
-          <a:prstGeom prst="rect">
-            <a:avLst/>
-          </a:prstGeom>
-        </p:spPr>
-      </p:pic>
-      <p:sp>
-        <p:nvSpPr>
-          <p:cNvPr id="53" name="文本框 52"/>
-          <p:cNvSpPr txBox="1"/>
-          <p:nvPr/>
-        </p:nvSpPr>
-        <p:spPr>
-          <a:xfrm>
-            <a:off x="906780" y="5931535"/>
-            <a:ext cx="838200" cy="245110"/>
-          </a:xfrm>
-          <a:prstGeom prst="rect">
-            <a:avLst/>
-          </a:prstGeom>
-          <a:noFill/>
-        </p:spPr>
-        <p:txBody>
-          <a:bodyPr wrap="square" rtlCol="0">
-            <a:spAutoFit/>
-          </a:bodyPr>
-          <a:p>
-            <a:r>
-              <a:rPr lang="en-US" altLang="zh-CN" sz="1000">
-                <a:sym typeface="+mn-ea"/>
-              </a:rPr>
-              <a:t>Faces</a:t>
-            </a:r>
-            <a:r>
-              <a:rPr lang="zh-CN" altLang="en-US" sz="1000"/>
-              <a:t>：</a:t>
-            </a:r>
-            <a:r>
-              <a:rPr lang="en-US" altLang="zh-CN" sz="1000"/>
-              <a:t>1</a:t>
-            </a:r>
-            <a:r>
-              <a:rPr lang="en-US" altLang="zh-CN" sz="1000"/>
-              <a:t>40</a:t>
-            </a:r>
-            <a:endParaRPr lang="en-US" altLang="zh-CN" sz="1000"/>
-          </a:p>
-        </p:txBody>
-      </p:sp>
-      <p:sp>
-        <p:nvSpPr>
-          <p:cNvPr id="54" name="文本框 53"/>
-          <p:cNvSpPr txBox="1"/>
-          <p:nvPr/>
-        </p:nvSpPr>
-        <p:spPr>
-          <a:xfrm>
-            <a:off x="1757680" y="5929630"/>
-            <a:ext cx="958850" cy="245110"/>
-          </a:xfrm>
-          <a:prstGeom prst="rect">
-            <a:avLst/>
-          </a:prstGeom>
-          <a:noFill/>
-        </p:spPr>
-        <p:txBody>
-          <a:bodyPr wrap="square" rtlCol="0">
-            <a:spAutoFit/>
-          </a:bodyPr>
-          <a:p>
-            <a:r>
-              <a:rPr lang="en-US" altLang="zh-CN" sz="1000">
-                <a:sym typeface="+mn-ea"/>
-              </a:rPr>
-              <a:t>Faces</a:t>
-            </a:r>
-            <a:r>
-              <a:rPr lang="zh-CN" altLang="en-US" sz="1000"/>
-              <a:t>：</a:t>
-            </a:r>
-            <a:r>
-              <a:rPr lang="en-US" altLang="zh-CN" sz="1000"/>
-              <a:t>3</a:t>
-            </a:r>
-            <a:r>
-              <a:rPr lang="en-US" altLang="zh-CN" sz="1000"/>
-              <a:t>40</a:t>
-            </a:r>
-            <a:endParaRPr lang="en-US" altLang="zh-CN" sz="1000"/>
-          </a:p>
-        </p:txBody>
-      </p:sp>
-      <p:sp>
-        <p:nvSpPr>
-          <p:cNvPr id="55" name="文本框 54"/>
-          <p:cNvSpPr txBox="1"/>
-          <p:nvPr/>
-        </p:nvSpPr>
-        <p:spPr>
-          <a:xfrm>
-            <a:off x="2631440" y="5929630"/>
-            <a:ext cx="880110" cy="245110"/>
-          </a:xfrm>
-          <a:prstGeom prst="rect">
-            <a:avLst/>
-          </a:prstGeom>
-          <a:noFill/>
-        </p:spPr>
-        <p:txBody>
-          <a:bodyPr wrap="square" rtlCol="0">
-            <a:spAutoFit/>
-          </a:bodyPr>
-          <a:p>
-            <a:r>
-              <a:rPr lang="en-US" altLang="zh-CN" sz="1000">
-                <a:sym typeface="+mn-ea"/>
-              </a:rPr>
-              <a:t>Faces</a:t>
-            </a:r>
-            <a:r>
-              <a:rPr lang="zh-CN" altLang="en-US" sz="1000"/>
-              <a:t>：</a:t>
-            </a:r>
-            <a:r>
-              <a:rPr lang="en-US" altLang="zh-CN" sz="1000"/>
-              <a:t>540</a:t>
-            </a:r>
-            <a:endParaRPr lang="en-US" altLang="zh-CN" sz="1000"/>
-          </a:p>
-        </p:txBody>
-      </p:sp>
-      <p:sp>
-        <p:nvSpPr>
-          <p:cNvPr id="56" name="文本框 55"/>
-          <p:cNvSpPr txBox="1"/>
-          <p:nvPr/>
-        </p:nvSpPr>
-        <p:spPr>
-          <a:xfrm>
-            <a:off x="3517265" y="5929630"/>
-            <a:ext cx="777240" cy="245110"/>
-          </a:xfrm>
-          <a:prstGeom prst="rect">
-            <a:avLst/>
-          </a:prstGeom>
-          <a:noFill/>
-        </p:spPr>
-        <p:txBody>
-          <a:bodyPr wrap="square" rtlCol="0">
-            <a:spAutoFit/>
-          </a:bodyPr>
-          <a:p>
-            <a:r>
-              <a:rPr lang="en-US" altLang="zh-CN" sz="1000"/>
-              <a:t>Faces:</a:t>
-            </a:r>
-            <a:r>
-              <a:rPr lang="en-US" altLang="zh-CN" sz="1000"/>
-              <a:t>592</a:t>
-            </a:r>
-            <a:endParaRPr lang="en-US" altLang="zh-CN" sz="1000"/>
-          </a:p>
-        </p:txBody>
-      </p:sp>
-      <p:sp>
-        <p:nvSpPr>
-          <p:cNvPr id="58" name="下弧形箭头 57"/>
-          <p:cNvSpPr/>
-          <p:nvPr/>
-        </p:nvSpPr>
-        <p:spPr>
-          <a:xfrm>
-            <a:off x="1296035" y="6168390"/>
-            <a:ext cx="946150" cy="250825"/>
-          </a:xfrm>
-          <a:prstGeom prst="curvedUpArrow">
-            <a:avLst/>
-          </a:prstGeom>
+          <a:ln w="38100">
+            <a:solidFill>
+              <a:schemeClr val="accent1">
+                <a:lumMod val="60000"/>
+                <a:lumOff val="40000"/>
+              </a:schemeClr>
+            </a:solidFill>
+            <a:prstDash val="sysDot"/>
+          </a:ln>
         </p:spPr>
         <p:style>
           <a:lnRef idx="2">
@@ -17927,24 +17383,20 @@
           <a:bodyPr rtlCol="0" anchor="ctr"/>
           <a:p>
             <a:pPr algn="ctr"/>
-            <a:endParaRPr lang="zh-CN" altLang="en-US">
-              <a:solidFill>
-                <a:schemeClr val="tx1"/>
-              </a:solidFill>
-            </a:endParaRPr>
-          </a:p>
-        </p:txBody>
-      </p:sp>
-      <p:sp>
-        <p:nvSpPr>
-          <p:cNvPr id="60" name="文本框 59"/>
+            <a:endParaRPr lang="zh-CN" altLang="en-US"/>
+          </a:p>
+        </p:txBody>
+      </p:sp>
+      <p:sp>
+        <p:nvSpPr>
+          <p:cNvPr id="19" name="文本框 18"/>
           <p:cNvSpPr txBox="1"/>
           <p:nvPr/>
         </p:nvSpPr>
         <p:spPr>
           <a:xfrm>
-            <a:off x="4260215" y="2781300"/>
-            <a:ext cx="607695" cy="245110"/>
+            <a:off x="10238740" y="210185"/>
+            <a:ext cx="1989455" cy="368300"/>
           </a:xfrm>
           <a:prstGeom prst="rect">
             <a:avLst/>
@@ -17957,120 +17409,37 @@
           </a:bodyPr>
           <a:p>
             <a:r>
-              <a:rPr lang="en-US" altLang="zh-CN" sz="1000">
-                <a:sym typeface="+mn-ea"/>
-              </a:rPr>
-              <a:t>record1</a:t>
-            </a:r>
-            <a:endParaRPr lang="en-US" altLang="zh-CN" sz="1000"/>
-          </a:p>
-        </p:txBody>
-      </p:sp>
-      <p:sp>
-        <p:nvSpPr>
-          <p:cNvPr id="61" name="文本框 60"/>
-          <p:cNvSpPr txBox="1"/>
-          <p:nvPr/>
-        </p:nvSpPr>
-        <p:spPr>
-          <a:xfrm>
-            <a:off x="3164205" y="2772410"/>
-            <a:ext cx="651510" cy="245110"/>
+              <a:rPr lang="zh-CN" altLang="en-US"/>
+              <a:t>采样器</a:t>
+            </a:r>
+            <a:endParaRPr lang="zh-CN" altLang="en-US"/>
+          </a:p>
+        </p:txBody>
+      </p:sp>
+      <p:sp>
+        <p:nvSpPr>
+          <p:cNvPr id="21" name="矩形 20"/>
+          <p:cNvSpPr/>
+          <p:nvPr/>
+        </p:nvSpPr>
+        <p:spPr>
+          <a:xfrm>
+            <a:off x="1609090" y="125730"/>
+            <a:ext cx="2337435" cy="1559560"/>
           </a:xfrm>
           <a:prstGeom prst="rect">
             <a:avLst/>
           </a:prstGeom>
           <a:noFill/>
-        </p:spPr>
-        <p:txBody>
-          <a:bodyPr wrap="square" rtlCol="0">
-            <a:spAutoFit/>
-          </a:bodyPr>
-          <a:p>
-            <a:r>
-              <a:rPr lang="en-US" altLang="zh-CN" sz="1000">
-                <a:sym typeface="+mn-ea"/>
-              </a:rPr>
-              <a:t>record2</a:t>
-            </a:r>
-            <a:endParaRPr lang="en-US" altLang="zh-CN" sz="1000"/>
-          </a:p>
-        </p:txBody>
-      </p:sp>
-      <p:sp>
-        <p:nvSpPr>
-          <p:cNvPr id="62" name="文本框 61"/>
-          <p:cNvSpPr txBox="1"/>
-          <p:nvPr/>
-        </p:nvSpPr>
-        <p:spPr>
-          <a:xfrm>
-            <a:off x="2045970" y="2781300"/>
-            <a:ext cx="632460" cy="245110"/>
-          </a:xfrm>
-          <a:prstGeom prst="rect">
-            <a:avLst/>
-          </a:prstGeom>
-          <a:noFill/>
-        </p:spPr>
-        <p:txBody>
-          <a:bodyPr wrap="square" rtlCol="0">
-            <a:spAutoFit/>
-          </a:bodyPr>
-          <a:p>
-            <a:r>
-              <a:rPr lang="en-US" altLang="zh-CN" sz="1000">
-                <a:sym typeface="+mn-ea"/>
-              </a:rPr>
-              <a:t>record3</a:t>
-            </a:r>
-            <a:endParaRPr lang="en-US" altLang="zh-CN" sz="1000"/>
-          </a:p>
-        </p:txBody>
-      </p:sp>
-      <p:sp>
-        <p:nvSpPr>
-          <p:cNvPr id="63" name="文本框 62"/>
-          <p:cNvSpPr txBox="1"/>
-          <p:nvPr/>
-        </p:nvSpPr>
-        <p:spPr>
-          <a:xfrm>
-            <a:off x="1355725" y="6385560"/>
-            <a:ext cx="837565" cy="245110"/>
-          </a:xfrm>
-          <a:prstGeom prst="rect">
-            <a:avLst/>
-          </a:prstGeom>
-          <a:noFill/>
-        </p:spPr>
-        <p:txBody>
-          <a:bodyPr wrap="square" rtlCol="0">
-            <a:spAutoFit/>
-          </a:bodyPr>
-          <a:p>
-            <a:r>
-              <a:rPr lang="en-US" altLang="zh-CN" sz="1000"/>
-              <a:t>increment1</a:t>
-            </a:r>
-            <a:endParaRPr lang="en-US" altLang="zh-CN" sz="1000"/>
-          </a:p>
-        </p:txBody>
-      </p:sp>
-      <p:sp>
-        <p:nvSpPr>
-          <p:cNvPr id="68" name="下弧形箭头 67"/>
-          <p:cNvSpPr/>
-          <p:nvPr/>
-        </p:nvSpPr>
-        <p:spPr>
-          <a:xfrm>
-            <a:off x="2273935" y="6176010"/>
-            <a:ext cx="946150" cy="251460"/>
-          </a:xfrm>
-          <a:prstGeom prst="curvedUpArrow">
-            <a:avLst/>
-          </a:prstGeom>
+          <a:ln w="38100">
+            <a:solidFill>
+              <a:schemeClr val="accent1">
+                <a:lumMod val="60000"/>
+                <a:lumOff val="40000"/>
+              </a:schemeClr>
+            </a:solidFill>
+            <a:prstDash val="sysDot"/>
+          </a:ln>
         </p:spPr>
         <p:style>
           <a:lnRef idx="2">
@@ -18092,24 +17461,20 @@
           <a:bodyPr rtlCol="0" anchor="ctr"/>
           <a:p>
             <a:pPr algn="ctr"/>
-            <a:endParaRPr lang="zh-CN" altLang="en-US">
-              <a:solidFill>
-                <a:schemeClr val="tx1"/>
-              </a:solidFill>
-            </a:endParaRPr>
-          </a:p>
-        </p:txBody>
-      </p:sp>
-      <p:sp>
-        <p:nvSpPr>
-          <p:cNvPr id="69" name="文本框 68"/>
+            <a:endParaRPr lang="zh-CN" altLang="en-US"/>
+          </a:p>
+        </p:txBody>
+      </p:sp>
+      <p:sp>
+        <p:nvSpPr>
+          <p:cNvPr id="23" name="文本框 22"/>
           <p:cNvSpPr txBox="1"/>
           <p:nvPr/>
         </p:nvSpPr>
         <p:spPr>
           <a:xfrm>
-            <a:off x="2328545" y="6419215"/>
-            <a:ext cx="837565" cy="245110"/>
+            <a:off x="1674495" y="187960"/>
+            <a:ext cx="1989455" cy="368300"/>
           </a:xfrm>
           <a:prstGeom prst="rect">
             <a:avLst/>
@@ -18122,27 +17487,37 @@
           </a:bodyPr>
           <a:p>
             <a:r>
-              <a:rPr lang="en-US" altLang="zh-CN" sz="1000"/>
-              <a:t>increment2</a:t>
-            </a:r>
-            <a:endParaRPr lang="en-US" altLang="zh-CN" sz="1000"/>
-          </a:p>
-        </p:txBody>
-      </p:sp>
-      <p:sp>
-        <p:nvSpPr>
-          <p:cNvPr id="71" name="下弧形箭头 70"/>
-          <p:cNvSpPr/>
-          <p:nvPr/>
-        </p:nvSpPr>
-        <p:spPr>
-          <a:xfrm>
-            <a:off x="3220085" y="6176010"/>
-            <a:ext cx="946150" cy="251460"/>
-          </a:xfrm>
-          <a:prstGeom prst="curvedUpArrow">
-            <a:avLst/>
-          </a:prstGeom>
+              <a:rPr lang="zh-CN" altLang="en-US"/>
+              <a:t>Uniform一致变量</a:t>
+            </a:r>
+            <a:endParaRPr lang="zh-CN" altLang="en-US"/>
+          </a:p>
+        </p:txBody>
+      </p:sp>
+      <p:sp>
+        <p:nvSpPr>
+          <p:cNvPr id="25" name="矩形 24"/>
+          <p:cNvSpPr/>
+          <p:nvPr/>
+        </p:nvSpPr>
+        <p:spPr>
+          <a:xfrm>
+            <a:off x="4101465" y="125730"/>
+            <a:ext cx="2029460" cy="1559560"/>
+          </a:xfrm>
+          <a:prstGeom prst="rect">
+            <a:avLst/>
+          </a:prstGeom>
+          <a:noFill/>
+          <a:ln w="38100">
+            <a:solidFill>
+              <a:schemeClr val="accent1">
+                <a:lumMod val="60000"/>
+                <a:lumOff val="40000"/>
+              </a:schemeClr>
+            </a:solidFill>
+            <a:prstDash val="sysDot"/>
+          </a:ln>
         </p:spPr>
         <p:style>
           <a:lnRef idx="2">
@@ -18164,24 +17539,20 @@
           <a:bodyPr rtlCol="0" anchor="ctr"/>
           <a:p>
             <a:pPr algn="ctr"/>
-            <a:endParaRPr lang="zh-CN" altLang="en-US">
-              <a:solidFill>
-                <a:schemeClr val="tx1"/>
-              </a:solidFill>
-            </a:endParaRPr>
-          </a:p>
-        </p:txBody>
-      </p:sp>
-      <p:sp>
-        <p:nvSpPr>
-          <p:cNvPr id="72" name="文本框 71"/>
+            <a:endParaRPr lang="zh-CN" altLang="en-US"/>
+          </a:p>
+        </p:txBody>
+      </p:sp>
+      <p:sp>
+        <p:nvSpPr>
+          <p:cNvPr id="27" name="文本框 26"/>
           <p:cNvSpPr txBox="1"/>
           <p:nvPr/>
         </p:nvSpPr>
         <p:spPr>
           <a:xfrm>
-            <a:off x="3274060" y="6427470"/>
-            <a:ext cx="837565" cy="245110"/>
+            <a:off x="4295140" y="187960"/>
+            <a:ext cx="1272540" cy="368300"/>
           </a:xfrm>
           <a:prstGeom prst="rect">
             <a:avLst/>
@@ -18194,27 +17565,37 @@
           </a:bodyPr>
           <a:p>
             <a:r>
-              <a:rPr lang="en-US" altLang="zh-CN" sz="1000"/>
-              <a:t>increment3</a:t>
-            </a:r>
-            <a:endParaRPr lang="en-US" altLang="zh-CN" sz="1000"/>
-          </a:p>
-        </p:txBody>
-      </p:sp>
-      <p:sp>
-        <p:nvSpPr>
-          <p:cNvPr id="73" name="下弧形箭头 72"/>
-          <p:cNvSpPr/>
-          <p:nvPr/>
-        </p:nvSpPr>
-        <p:spPr>
-          <a:xfrm>
-            <a:off x="1889125" y="2488565"/>
-            <a:ext cx="946150" cy="250825"/>
-          </a:xfrm>
-          <a:prstGeom prst="curvedUpArrow">
-            <a:avLst/>
-          </a:prstGeom>
+              <a:rPr lang="zh-CN" altLang="en-US"/>
+              <a:t>采样器</a:t>
+            </a:r>
+            <a:endParaRPr lang="zh-CN" altLang="en-US"/>
+          </a:p>
+        </p:txBody>
+      </p:sp>
+      <p:sp>
+        <p:nvSpPr>
+          <p:cNvPr id="29" name="矩形 28"/>
+          <p:cNvSpPr/>
+          <p:nvPr/>
+        </p:nvSpPr>
+        <p:spPr>
+          <a:xfrm>
+            <a:off x="9050020" y="4932045"/>
+            <a:ext cx="2337435" cy="1559560"/>
+          </a:xfrm>
+          <a:prstGeom prst="rect">
+            <a:avLst/>
+          </a:prstGeom>
+          <a:noFill/>
+          <a:ln w="38100">
+            <a:solidFill>
+              <a:schemeClr val="accent1">
+                <a:lumMod val="60000"/>
+                <a:lumOff val="40000"/>
+              </a:schemeClr>
+            </a:solidFill>
+            <a:prstDash val="sysDot"/>
+          </a:ln>
         </p:spPr>
         <p:style>
           <a:lnRef idx="2">
@@ -18236,26 +17617,51 @@
           <a:bodyPr rtlCol="0" anchor="ctr"/>
           <a:p>
             <a:pPr algn="ctr"/>
-            <a:endParaRPr lang="zh-CN" altLang="en-US">
-              <a:solidFill>
-                <a:schemeClr val="tx1"/>
-              </a:solidFill>
-            </a:endParaRPr>
-          </a:p>
-        </p:txBody>
-      </p:sp>
-      <p:sp>
-        <p:nvSpPr>
-          <p:cNvPr id="74" name="下弧形箭头 73"/>
-          <p:cNvSpPr/>
-          <p:nvPr/>
-        </p:nvSpPr>
-        <p:spPr>
-          <a:xfrm>
-            <a:off x="3040380" y="2488565"/>
-            <a:ext cx="946150" cy="250825"/>
-          </a:xfrm>
-          <a:prstGeom prst="curvedUpArrow">
+            <a:endParaRPr lang="zh-CN" altLang="en-US"/>
+          </a:p>
+        </p:txBody>
+      </p:sp>
+      <p:sp>
+        <p:nvSpPr>
+          <p:cNvPr id="30" name="文本框 29"/>
+          <p:cNvSpPr txBox="1"/>
+          <p:nvPr/>
+        </p:nvSpPr>
+        <p:spPr>
+          <a:xfrm>
+            <a:off x="9224010" y="5184140"/>
+            <a:ext cx="1989455" cy="368300"/>
+          </a:xfrm>
+          <a:prstGeom prst="rect">
+            <a:avLst/>
+          </a:prstGeom>
+          <a:noFill/>
+        </p:spPr>
+        <p:txBody>
+          <a:bodyPr wrap="square" rtlCol="0">
+            <a:spAutoFit/>
+          </a:bodyPr>
+          <a:p>
+            <a:r>
+              <a:rPr lang="zh-CN" altLang="en-US"/>
+              <a:t>内建输出变量</a:t>
+            </a:r>
+            <a:endParaRPr lang="zh-CN" altLang="en-US"/>
+          </a:p>
+        </p:txBody>
+      </p:sp>
+      <p:sp>
+        <p:nvSpPr>
+          <p:cNvPr id="32" name="右箭头 31"/>
+          <p:cNvSpPr/>
+          <p:nvPr/>
+        </p:nvSpPr>
+        <p:spPr>
+          <a:xfrm>
+            <a:off x="2515235" y="3115310"/>
+            <a:ext cx="208915" cy="427990"/>
+          </a:xfrm>
+          <a:prstGeom prst="rightArrow">
             <a:avLst/>
           </a:prstGeom>
         </p:spPr>
@@ -18279,26 +17685,22 @@
           <a:bodyPr rtlCol="0" anchor="ctr"/>
           <a:p>
             <a:pPr algn="ctr"/>
-            <a:endParaRPr lang="zh-CN" altLang="en-US">
-              <a:solidFill>
-                <a:schemeClr val="tx1"/>
-              </a:solidFill>
-            </a:endParaRPr>
-          </a:p>
-        </p:txBody>
-      </p:sp>
-      <p:sp>
-        <p:nvSpPr>
-          <p:cNvPr id="75" name="下弧形箭头 74"/>
-          <p:cNvSpPr/>
-          <p:nvPr/>
-        </p:nvSpPr>
-        <p:spPr>
-          <a:xfrm>
-            <a:off x="4090670" y="2488565"/>
-            <a:ext cx="946150" cy="250825"/>
-          </a:xfrm>
-          <a:prstGeom prst="curvedUpArrow">
+            <a:endParaRPr lang="zh-CN" altLang="en-US"/>
+          </a:p>
+        </p:txBody>
+      </p:sp>
+      <p:sp>
+        <p:nvSpPr>
+          <p:cNvPr id="35" name="右箭头 34"/>
+          <p:cNvSpPr/>
+          <p:nvPr/>
+        </p:nvSpPr>
+        <p:spPr>
+          <a:xfrm>
+            <a:off x="5791835" y="3115310"/>
+            <a:ext cx="208915" cy="427990"/>
+          </a:xfrm>
+          <a:prstGeom prst="rightArrow">
             <a:avLst/>
           </a:prstGeom>
         </p:spPr>
@@ -18322,26 +17724,22 @@
           <a:bodyPr rtlCol="0" anchor="ctr"/>
           <a:p>
             <a:pPr algn="ctr"/>
-            <a:endParaRPr lang="zh-CN" altLang="en-US">
-              <a:solidFill>
-                <a:schemeClr val="tx1"/>
-              </a:solidFill>
-            </a:endParaRPr>
-          </a:p>
-        </p:txBody>
-      </p:sp>
-      <p:sp>
-        <p:nvSpPr>
-          <p:cNvPr id="17" name="燕尾形 16"/>
-          <p:cNvSpPr/>
-          <p:nvPr/>
-        </p:nvSpPr>
-        <p:spPr>
-          <a:xfrm>
-            <a:off x="1012825" y="3500755"/>
-            <a:ext cx="1316355" cy="215265"/>
-          </a:xfrm>
-          <a:prstGeom prst="chevron">
+            <a:endParaRPr lang="zh-CN" altLang="en-US"/>
+          </a:p>
+        </p:txBody>
+      </p:sp>
+      <p:sp>
+        <p:nvSpPr>
+          <p:cNvPr id="36" name="右箭头 35"/>
+          <p:cNvSpPr/>
+          <p:nvPr/>
+        </p:nvSpPr>
+        <p:spPr>
+          <a:xfrm>
+            <a:off x="8489315" y="3122295"/>
+            <a:ext cx="208915" cy="427990"/>
+          </a:xfrm>
+          <a:prstGeom prst="rightArrow">
             <a:avLst/>
           </a:prstGeom>
         </p:spPr>
@@ -18365,28 +17763,22 @@
           <a:bodyPr rtlCol="0" anchor="ctr"/>
           <a:p>
             <a:pPr algn="ctr"/>
-            <a:r>
-              <a:rPr lang="zh-CN" altLang="en-US" sz="1600">
-                <a:sym typeface="+mn-ea"/>
-              </a:rPr>
-              <a:t>base mesh</a:t>
-            </a:r>
-            <a:endParaRPr lang="zh-CN" altLang="en-US" sz="1600"/>
-          </a:p>
-        </p:txBody>
-      </p:sp>
-      <p:sp>
-        <p:nvSpPr>
-          <p:cNvPr id="18" name="燕尾形 17"/>
-          <p:cNvSpPr/>
-          <p:nvPr/>
-        </p:nvSpPr>
-        <p:spPr>
-          <a:xfrm>
-            <a:off x="2329180" y="3500755"/>
-            <a:ext cx="1053465" cy="215265"/>
-          </a:xfrm>
-          <a:prstGeom prst="chevron">
+            <a:endParaRPr lang="zh-CN" altLang="en-US"/>
+          </a:p>
+        </p:txBody>
+      </p:sp>
+      <p:sp>
+        <p:nvSpPr>
+          <p:cNvPr id="37" name="下箭头 36"/>
+          <p:cNvSpPr/>
+          <p:nvPr/>
+        </p:nvSpPr>
+        <p:spPr>
+          <a:xfrm>
+            <a:off x="3221990" y="1781175"/>
+            <a:ext cx="278130" cy="278765"/>
+          </a:xfrm>
+          <a:prstGeom prst="downArrow">
             <a:avLst/>
           </a:prstGeom>
         </p:spPr>
@@ -18410,36 +17802,22 @@
           <a:bodyPr rtlCol="0" anchor="ctr"/>
           <a:p>
             <a:pPr algn="ctr"/>
-            <a:r>
-              <a:rPr lang="zh-CN" altLang="en-US" sz="1600">
-                <a:sym typeface="+mn-ea"/>
-              </a:rPr>
-              <a:t>packet</a:t>
-            </a:r>
-            <a:r>
-              <a:rPr lang="en-US" altLang="zh-CN" sz="1600">
-                <a:sym typeface="+mn-ea"/>
-              </a:rPr>
-              <a:t>1</a:t>
-            </a:r>
-            <a:endParaRPr lang="en-US" altLang="zh-CN" sz="1600">
-              <a:sym typeface="+mn-ea"/>
-            </a:endParaRPr>
-          </a:p>
-        </p:txBody>
-      </p:sp>
-      <p:sp>
-        <p:nvSpPr>
-          <p:cNvPr id="26" name="燕尾形 25"/>
-          <p:cNvSpPr/>
-          <p:nvPr/>
-        </p:nvSpPr>
-        <p:spPr>
-          <a:xfrm>
-            <a:off x="3382645" y="3500755"/>
-            <a:ext cx="1053465" cy="215265"/>
-          </a:xfrm>
-          <a:prstGeom prst="chevron">
+            <a:endParaRPr lang="zh-CN" altLang="en-US"/>
+          </a:p>
+        </p:txBody>
+      </p:sp>
+      <p:sp>
+        <p:nvSpPr>
+          <p:cNvPr id="38" name="下箭头 37"/>
+          <p:cNvSpPr/>
+          <p:nvPr/>
+        </p:nvSpPr>
+        <p:spPr>
+          <a:xfrm>
+            <a:off x="4792345" y="1781175"/>
+            <a:ext cx="278130" cy="278765"/>
+          </a:xfrm>
+          <a:prstGeom prst="downArrow">
             <a:avLst/>
           </a:prstGeom>
         </p:spPr>
@@ -18463,36 +17841,22 @@
           <a:bodyPr rtlCol="0" anchor="ctr"/>
           <a:p>
             <a:pPr algn="ctr"/>
-            <a:r>
-              <a:rPr lang="zh-CN" altLang="en-US" sz="1600">
-                <a:sym typeface="+mn-ea"/>
-              </a:rPr>
-              <a:t>packet</a:t>
-            </a:r>
-            <a:r>
-              <a:rPr lang="en-US" altLang="zh-CN" sz="1600">
-                <a:sym typeface="+mn-ea"/>
-              </a:rPr>
-              <a:t>2</a:t>
-            </a:r>
-            <a:endParaRPr lang="en-US" altLang="zh-CN" sz="1600">
-              <a:sym typeface="+mn-ea"/>
-            </a:endParaRPr>
-          </a:p>
-        </p:txBody>
-      </p:sp>
-      <p:sp>
-        <p:nvSpPr>
-          <p:cNvPr id="29" name="燕尾形 28"/>
-          <p:cNvSpPr/>
-          <p:nvPr/>
-        </p:nvSpPr>
-        <p:spPr>
-          <a:xfrm>
-            <a:off x="4436110" y="3500755"/>
-            <a:ext cx="1053465" cy="215265"/>
-          </a:xfrm>
-          <a:prstGeom prst="chevron">
+            <a:endParaRPr lang="zh-CN" altLang="en-US"/>
+          </a:p>
+        </p:txBody>
+      </p:sp>
+      <p:sp>
+        <p:nvSpPr>
+          <p:cNvPr id="40" name="下箭头 39"/>
+          <p:cNvSpPr/>
+          <p:nvPr/>
+        </p:nvSpPr>
+        <p:spPr>
+          <a:xfrm>
+            <a:off x="8983345" y="1781175"/>
+            <a:ext cx="278130" cy="278765"/>
+          </a:xfrm>
+          <a:prstGeom prst="downArrow">
             <a:avLst/>
           </a:prstGeom>
         </p:spPr>
@@ -18516,34 +17880,20 @@
           <a:bodyPr rtlCol="0" anchor="ctr"/>
           <a:p>
             <a:pPr algn="ctr"/>
-            <a:r>
-              <a:rPr lang="zh-CN" altLang="en-US" sz="1600">
-                <a:sym typeface="+mn-ea"/>
-              </a:rPr>
-              <a:t>packet</a:t>
-            </a:r>
-            <a:r>
-              <a:rPr lang="en-US" altLang="zh-CN" sz="1600">
-                <a:sym typeface="+mn-ea"/>
-              </a:rPr>
-              <a:t>3</a:t>
-            </a:r>
-            <a:endParaRPr lang="en-US" altLang="zh-CN" sz="1600">
-              <a:sym typeface="+mn-ea"/>
-            </a:endParaRPr>
-          </a:p>
-        </p:txBody>
-      </p:sp>
-      <p:sp>
-        <p:nvSpPr>
-          <p:cNvPr id="33" name="下箭头 32"/>
-          <p:cNvSpPr/>
-          <p:nvPr/>
-        </p:nvSpPr>
-        <p:spPr>
-          <a:xfrm>
-            <a:off x="197485" y="1242695"/>
-            <a:ext cx="1276350" cy="644525"/>
+            <a:endParaRPr lang="zh-CN" altLang="en-US"/>
+          </a:p>
+        </p:txBody>
+      </p:sp>
+      <p:sp>
+        <p:nvSpPr>
+          <p:cNvPr id="42" name="下箭头 41"/>
+          <p:cNvSpPr/>
+          <p:nvPr/>
+        </p:nvSpPr>
+        <p:spPr>
+          <a:xfrm>
+            <a:off x="10868660" y="1781175"/>
+            <a:ext cx="278130" cy="278765"/>
           </a:xfrm>
           <a:prstGeom prst="downArrow">
             <a:avLst/>
@@ -18569,12 +17919,809 @@
           <a:bodyPr rtlCol="0" anchor="ctr"/>
           <a:p>
             <a:pPr algn="ctr"/>
-            <a:r>
-              <a:rPr lang="zh-CN" altLang="en-US">
-                <a:sym typeface="+mn-ea"/>
+            <a:endParaRPr lang="zh-CN" altLang="en-US"/>
+          </a:p>
+        </p:txBody>
+      </p:sp>
+      <p:sp>
+        <p:nvSpPr>
+          <p:cNvPr id="44" name="下箭头 43"/>
+          <p:cNvSpPr/>
+          <p:nvPr/>
+        </p:nvSpPr>
+        <p:spPr>
+          <a:xfrm>
+            <a:off x="4339590" y="4468495"/>
+            <a:ext cx="278130" cy="278765"/>
+          </a:xfrm>
+          <a:prstGeom prst="downArrow">
+            <a:avLst/>
+          </a:prstGeom>
+        </p:spPr>
+        <p:style>
+          <a:lnRef idx="2">
+            <a:schemeClr val="accent1">
+              <a:shade val="50000"/>
+            </a:schemeClr>
+          </a:lnRef>
+          <a:fillRef idx="1">
+            <a:schemeClr val="accent1"/>
+          </a:fillRef>
+          <a:effectRef idx="0">
+            <a:schemeClr val="accent1"/>
+          </a:effectRef>
+          <a:fontRef idx="minor">
+            <a:schemeClr val="lt1"/>
+          </a:fontRef>
+        </p:style>
+        <p:txBody>
+          <a:bodyPr rtlCol="0" anchor="ctr"/>
+          <a:p>
+            <a:pPr algn="ctr"/>
+            <a:endParaRPr lang="zh-CN" altLang="en-US"/>
+          </a:p>
+        </p:txBody>
+      </p:sp>
+      <p:sp>
+        <p:nvSpPr>
+          <p:cNvPr id="46" name="下箭头 45"/>
+          <p:cNvSpPr/>
+          <p:nvPr/>
+        </p:nvSpPr>
+        <p:spPr>
+          <a:xfrm>
+            <a:off x="10064750" y="4468495"/>
+            <a:ext cx="278130" cy="278765"/>
+          </a:xfrm>
+          <a:prstGeom prst="downArrow">
+            <a:avLst/>
+          </a:prstGeom>
+        </p:spPr>
+        <p:style>
+          <a:lnRef idx="2">
+            <a:schemeClr val="accent1">
+              <a:shade val="50000"/>
+            </a:schemeClr>
+          </a:lnRef>
+          <a:fillRef idx="1">
+            <a:schemeClr val="accent1"/>
+          </a:fillRef>
+          <a:effectRef idx="0">
+            <a:schemeClr val="accent1"/>
+          </a:effectRef>
+          <a:fontRef idx="minor">
+            <a:schemeClr val="lt1"/>
+          </a:fontRef>
+        </p:style>
+        <p:txBody>
+          <a:bodyPr rtlCol="0" anchor="ctr"/>
+          <a:p>
+            <a:pPr algn="ctr"/>
+            <a:endParaRPr lang="zh-CN" altLang="en-US"/>
+          </a:p>
+        </p:txBody>
+      </p:sp>
+      <p:sp>
+        <p:nvSpPr>
+          <p:cNvPr id="48" name="圆角矩形 47"/>
+          <p:cNvSpPr/>
+          <p:nvPr/>
+        </p:nvSpPr>
+        <p:spPr>
+          <a:xfrm>
+            <a:off x="10176510" y="847725"/>
+            <a:ext cx="1513205" cy="447675"/>
+          </a:xfrm>
+          <a:prstGeom prst="roundRect">
+            <a:avLst/>
+          </a:prstGeom>
+        </p:spPr>
+        <p:style>
+          <a:lnRef idx="2">
+            <a:schemeClr val="accent3">
+              <a:shade val="50000"/>
+            </a:schemeClr>
+          </a:lnRef>
+          <a:fillRef idx="1">
+            <a:schemeClr val="accent3"/>
+          </a:fillRef>
+          <a:effectRef idx="0">
+            <a:schemeClr val="accent3"/>
+          </a:effectRef>
+          <a:fontRef idx="minor">
+            <a:schemeClr val="lt1"/>
+          </a:fontRef>
+        </p:style>
+        <p:txBody>
+          <a:bodyPr rtlCol="0" anchor="ctr"/>
+          <a:p>
+            <a:pPr algn="ctr"/>
+            <a:r>
+              <a:rPr lang="zh-CN" altLang="en-US"/>
+              <a:t>贴图个数</a:t>
+            </a:r>
+            <a:endParaRPr lang="zh-CN" altLang="en-US"/>
+          </a:p>
+        </p:txBody>
+      </p:sp>
+      <p:sp>
+        <p:nvSpPr>
+          <p:cNvPr id="50" name="圆角矩形 49"/>
+          <p:cNvSpPr/>
+          <p:nvPr/>
+        </p:nvSpPr>
+        <p:spPr>
+          <a:xfrm>
+            <a:off x="8033385" y="847725"/>
+            <a:ext cx="1483360" cy="447675"/>
+          </a:xfrm>
+          <a:prstGeom prst="roundRect">
+            <a:avLst/>
+          </a:prstGeom>
+        </p:spPr>
+        <p:style>
+          <a:lnRef idx="2">
+            <a:schemeClr val="accent3">
+              <a:shade val="50000"/>
+            </a:schemeClr>
+          </a:lnRef>
+          <a:fillRef idx="1">
+            <a:schemeClr val="accent3"/>
+          </a:fillRef>
+          <a:effectRef idx="0">
+            <a:schemeClr val="accent3"/>
+          </a:effectRef>
+          <a:fontRef idx="minor">
+            <a:schemeClr val="lt1"/>
+          </a:fontRef>
+        </p:style>
+        <p:txBody>
+          <a:bodyPr rtlCol="0" anchor="ctr"/>
+          <a:p>
+            <a:pPr algn="ctr"/>
+            <a:r>
+              <a:rPr lang="zh-CN" altLang="en-US"/>
+              <a:t>纹理贴图</a:t>
+            </a:r>
+            <a:endParaRPr lang="zh-CN" altLang="en-US"/>
+          </a:p>
+        </p:txBody>
+      </p:sp>
+      <p:sp>
+        <p:nvSpPr>
+          <p:cNvPr id="52" name="圆角矩形 51"/>
+          <p:cNvSpPr/>
+          <p:nvPr/>
+        </p:nvSpPr>
+        <p:spPr>
+          <a:xfrm>
+            <a:off x="9449435" y="5648960"/>
+            <a:ext cx="1662430" cy="447675"/>
+          </a:xfrm>
+          <a:prstGeom prst="roundRect">
+            <a:avLst/>
+          </a:prstGeom>
+        </p:spPr>
+        <p:style>
+          <a:lnRef idx="2">
+            <a:schemeClr val="accent3">
+              <a:shade val="50000"/>
+            </a:schemeClr>
+          </a:lnRef>
+          <a:fillRef idx="1">
+            <a:schemeClr val="accent3"/>
+          </a:fillRef>
+          <a:effectRef idx="0">
+            <a:schemeClr val="accent3"/>
+          </a:effectRef>
+          <a:fontRef idx="minor">
+            <a:schemeClr val="lt1"/>
+          </a:fontRef>
+        </p:style>
+        <p:txBody>
+          <a:bodyPr rtlCol="0" anchor="ctr"/>
+          <a:p>
+            <a:pPr algn="ctr"/>
+            <a:r>
+              <a:rPr lang="zh-CN" altLang="en-US"/>
+              <a:t>片元颜色</a:t>
+            </a:r>
+            <a:endParaRPr lang="zh-CN" altLang="en-US"/>
+          </a:p>
+        </p:txBody>
+      </p:sp>
+      <p:sp>
+        <p:nvSpPr>
+          <p:cNvPr id="53" name="圆角矩形 52"/>
+          <p:cNvSpPr/>
+          <p:nvPr/>
+        </p:nvSpPr>
+        <p:spPr>
+          <a:xfrm>
+            <a:off x="3647440" y="5648960"/>
+            <a:ext cx="1662430" cy="447675"/>
+          </a:xfrm>
+          <a:prstGeom prst="roundRect">
+            <a:avLst/>
+          </a:prstGeom>
+        </p:spPr>
+        <p:style>
+          <a:lnRef idx="2">
+            <a:schemeClr val="accent3">
+              <a:shade val="50000"/>
+            </a:schemeClr>
+          </a:lnRef>
+          <a:fillRef idx="1">
+            <a:schemeClr val="accent3"/>
+          </a:fillRef>
+          <a:effectRef idx="0">
+            <a:schemeClr val="accent3"/>
+          </a:effectRef>
+          <a:fontRef idx="minor">
+            <a:schemeClr val="lt1"/>
+          </a:fontRef>
+        </p:style>
+        <p:txBody>
+          <a:bodyPr rtlCol="0" anchor="ctr"/>
+          <a:p>
+            <a:pPr algn="ctr"/>
+            <a:r>
+              <a:rPr lang="zh-CN" altLang="en-US"/>
+              <a:t>顶点屏幕坐标</a:t>
+            </a:r>
+            <a:endParaRPr lang="zh-CN" altLang="en-US"/>
+          </a:p>
+        </p:txBody>
+      </p:sp>
+      <p:sp>
+        <p:nvSpPr>
+          <p:cNvPr id="54" name="圆角矩形 53"/>
+          <p:cNvSpPr/>
+          <p:nvPr/>
+        </p:nvSpPr>
+        <p:spPr>
+          <a:xfrm>
+            <a:off x="4329430" y="847725"/>
+            <a:ext cx="1662430" cy="447675"/>
+          </a:xfrm>
+          <a:prstGeom prst="roundRect">
+            <a:avLst/>
+          </a:prstGeom>
+        </p:spPr>
+        <p:style>
+          <a:lnRef idx="2">
+            <a:schemeClr val="accent3">
+              <a:shade val="50000"/>
+            </a:schemeClr>
+          </a:lnRef>
+          <a:fillRef idx="1">
+            <a:schemeClr val="accent3"/>
+          </a:fillRef>
+          <a:effectRef idx="0">
+            <a:schemeClr val="accent3"/>
+          </a:effectRef>
+          <a:fontRef idx="minor">
+            <a:schemeClr val="lt1"/>
+          </a:fontRef>
+        </p:style>
+        <p:txBody>
+          <a:bodyPr rtlCol="0" anchor="ctr"/>
+          <a:p>
+            <a:pPr algn="ctr"/>
+            <a:r>
+              <a:rPr lang="zh-CN" altLang="en-US"/>
+              <a:t>骨骼动画数据</a:t>
+            </a:r>
+            <a:endParaRPr lang="zh-CN" altLang="en-US"/>
+          </a:p>
+        </p:txBody>
+      </p:sp>
+      <p:sp>
+        <p:nvSpPr>
+          <p:cNvPr id="55" name="圆角矩形 54"/>
+          <p:cNvSpPr/>
+          <p:nvPr/>
+        </p:nvSpPr>
+        <p:spPr>
+          <a:xfrm>
+            <a:off x="1820545" y="578485"/>
+            <a:ext cx="1826895" cy="1017905"/>
+          </a:xfrm>
+          <a:prstGeom prst="roundRect">
+            <a:avLst/>
+          </a:prstGeom>
+        </p:spPr>
+        <p:style>
+          <a:lnRef idx="2">
+            <a:schemeClr val="accent3">
+              <a:shade val="50000"/>
+            </a:schemeClr>
+          </a:lnRef>
+          <a:fillRef idx="1">
+            <a:schemeClr val="accent3"/>
+          </a:fillRef>
+          <a:effectRef idx="0">
+            <a:schemeClr val="accent3"/>
+          </a:effectRef>
+          <a:fontRef idx="minor">
+            <a:schemeClr val="lt1"/>
+          </a:fontRef>
+        </p:style>
+        <p:txBody>
+          <a:bodyPr rtlCol="0" anchor="ctr"/>
+          <a:p>
+            <a:pPr algn="ctr"/>
+            <a:r>
+              <a:rPr lang="zh-CN" altLang="en-US"/>
+              <a:t>模型视图矩阵</a:t>
+            </a:r>
+            <a:endParaRPr lang="zh-CN" altLang="en-US"/>
+          </a:p>
+          <a:p>
+            <a:pPr algn="ctr"/>
+            <a:r>
+              <a:rPr lang="zh-CN" altLang="en-US"/>
+              <a:t>投影矩阵</a:t>
+            </a:r>
+            <a:endParaRPr lang="zh-CN" altLang="en-US"/>
+          </a:p>
+          <a:p>
+            <a:pPr algn="ctr"/>
+            <a:r>
+              <a:rPr lang="zh-CN" altLang="en-US"/>
+              <a:t>时间</a:t>
+            </a:r>
+            <a:endParaRPr lang="zh-CN" altLang="en-US"/>
+          </a:p>
+        </p:txBody>
+      </p:sp>
+      <p:sp>
+        <p:nvSpPr>
+          <p:cNvPr id="56" name="圆角矩形 55"/>
+          <p:cNvSpPr/>
+          <p:nvPr/>
+        </p:nvSpPr>
+        <p:spPr>
+          <a:xfrm>
+            <a:off x="6257925" y="3115310"/>
+            <a:ext cx="1826895" cy="1017905"/>
+          </a:xfrm>
+          <a:prstGeom prst="roundRect">
+            <a:avLst/>
+          </a:prstGeom>
+        </p:spPr>
+        <p:style>
+          <a:lnRef idx="2">
+            <a:schemeClr val="accent3">
+              <a:shade val="50000"/>
+            </a:schemeClr>
+          </a:lnRef>
+          <a:fillRef idx="1">
+            <a:schemeClr val="accent3"/>
+          </a:fillRef>
+          <a:effectRef idx="0">
+            <a:schemeClr val="accent3"/>
+          </a:effectRef>
+          <a:fontRef idx="minor">
+            <a:schemeClr val="lt1"/>
+          </a:fontRef>
+        </p:style>
+        <p:txBody>
+          <a:bodyPr rtlCol="0" anchor="ctr"/>
+          <a:p>
+            <a:pPr algn="ctr"/>
+            <a:r>
+              <a:rPr lang="zh-CN" altLang="en-US"/>
+              <a:t>顶点所在部位</a:t>
+            </a:r>
+            <a:endParaRPr lang="zh-CN" altLang="en-US"/>
+          </a:p>
+          <a:p>
+            <a:pPr algn="ctr"/>
+            <a:r>
+              <a:rPr lang="zh-CN" altLang="en-US"/>
+              <a:t>贴图类型</a:t>
+            </a:r>
+            <a:endParaRPr lang="zh-CN" altLang="en-US"/>
+          </a:p>
+          <a:p>
+            <a:pPr algn="ctr"/>
+            <a:r>
+              <a:rPr lang="zh-CN" altLang="en-US"/>
+              <a:t>色调</a:t>
+            </a:r>
+            <a:endParaRPr lang="zh-CN" altLang="en-US"/>
+          </a:p>
+        </p:txBody>
+      </p:sp>
+      <p:sp>
+        <p:nvSpPr>
+          <p:cNvPr id="57" name="圆角矩形 56"/>
+          <p:cNvSpPr/>
+          <p:nvPr/>
+        </p:nvSpPr>
+        <p:spPr>
+          <a:xfrm>
+            <a:off x="386080" y="3122295"/>
+            <a:ext cx="1907540" cy="1017905"/>
+          </a:xfrm>
+          <a:prstGeom prst="roundRect">
+            <a:avLst/>
+          </a:prstGeom>
+        </p:spPr>
+        <p:style>
+          <a:lnRef idx="2">
+            <a:schemeClr val="accent3">
+              <a:shade val="50000"/>
+            </a:schemeClr>
+          </a:lnRef>
+          <a:fillRef idx="1">
+            <a:schemeClr val="accent3"/>
+          </a:fillRef>
+          <a:effectRef idx="0">
+            <a:schemeClr val="accent3"/>
+          </a:effectRef>
+          <a:fontRef idx="minor">
+            <a:schemeClr val="lt1"/>
+          </a:fontRef>
+        </p:style>
+        <p:txBody>
+          <a:bodyPr rtlCol="0" anchor="ctr"/>
+          <a:p>
+            <a:pPr algn="ctr"/>
+            <a:r>
+              <a:rPr lang="zh-CN" altLang="en-US"/>
+              <a:t>顶点的原坐标</a:t>
+            </a:r>
+            <a:endParaRPr lang="zh-CN" altLang="en-US"/>
+          </a:p>
+          <a:p>
+            <a:pPr algn="ctr"/>
+            <a:r>
+              <a:rPr lang="zh-CN" altLang="en-US"/>
+              <a:t>顶点的UV</a:t>
+            </a:r>
+            <a:endParaRPr lang="zh-CN" altLang="en-US"/>
+          </a:p>
+          <a:p>
+            <a:pPr algn="ctr"/>
+            <a:r>
+              <a:rPr lang="zh-CN" altLang="en-US"/>
+              <a:t>骨骼索引</a:t>
+            </a:r>
+            <a:endParaRPr lang="zh-CN" altLang="en-US"/>
+          </a:p>
+        </p:txBody>
+      </p:sp>
+      <p:sp>
+        <p:nvSpPr>
+          <p:cNvPr id="61" name="圆角矩形 60"/>
+          <p:cNvSpPr/>
+          <p:nvPr/>
+        </p:nvSpPr>
+        <p:spPr>
+          <a:xfrm>
+            <a:off x="344805" y="4633595"/>
+            <a:ext cx="1989455" cy="1724025"/>
+          </a:xfrm>
+          <a:prstGeom prst="roundRect">
+            <a:avLst/>
+          </a:prstGeom>
+        </p:spPr>
+        <p:style>
+          <a:lnRef idx="2">
+            <a:schemeClr val="accent3">
+              <a:shade val="50000"/>
+            </a:schemeClr>
+          </a:lnRef>
+          <a:fillRef idx="1">
+            <a:schemeClr val="accent3"/>
+          </a:fillRef>
+          <a:effectRef idx="0">
+            <a:schemeClr val="accent3"/>
+          </a:effectRef>
+          <a:fontRef idx="minor">
+            <a:schemeClr val="lt1"/>
+          </a:fontRef>
+        </p:style>
+        <p:txBody>
+          <a:bodyPr rtlCol="0" anchor="ctr"/>
+          <a:p>
+            <a:pPr algn="ctr"/>
+            <a:r>
+              <a:rPr lang="zh-CN" altLang="en-US"/>
+              <a:t>对象的</a:t>
+            </a:r>
+            <a:r>
+              <a:rPr lang="zh-CN" altLang="en-US"/>
+              <a:t>变换矩阵</a:t>
+            </a:r>
+            <a:endParaRPr lang="zh-CN" altLang="en-US"/>
+          </a:p>
+          <a:p>
+            <a:pPr algn="ctr"/>
+            <a:r>
+              <a:rPr lang="zh-CN" altLang="en-US"/>
+              <a:t>动画播放速度</a:t>
+            </a:r>
+            <a:endParaRPr lang="zh-CN" altLang="en-US"/>
+          </a:p>
+          <a:p>
+            <a:pPr algn="ctr"/>
+            <a:r>
+              <a:rPr lang="zh-CN" altLang="en-US"/>
+              <a:t>动画类型</a:t>
+            </a:r>
+            <a:endParaRPr lang="zh-CN" altLang="en-US"/>
+          </a:p>
+          <a:p>
+            <a:pPr algn="ctr"/>
+            <a:r>
+              <a:rPr lang="zh-CN" altLang="en-US"/>
+              <a:t>贴图类型</a:t>
+            </a:r>
+            <a:endParaRPr lang="zh-CN" altLang="en-US"/>
+          </a:p>
+          <a:p>
+            <a:pPr algn="ctr"/>
+            <a:r>
+              <a:rPr lang="zh-CN" altLang="en-US"/>
+              <a:t>色调</a:t>
+            </a:r>
+            <a:endParaRPr lang="zh-CN" altLang="en-US"/>
+          </a:p>
+        </p:txBody>
+      </p:sp>
+      <p:sp>
+        <p:nvSpPr>
+          <p:cNvPr id="73" name="五边形 72"/>
+          <p:cNvSpPr/>
+          <p:nvPr/>
+        </p:nvSpPr>
+        <p:spPr>
+          <a:xfrm>
+            <a:off x="363855" y="2758440"/>
+            <a:ext cx="1223645" cy="417830"/>
+          </a:xfrm>
+          <a:prstGeom prst="homePlate">
+            <a:avLst/>
+          </a:prstGeom>
+        </p:spPr>
+        <p:style>
+          <a:lnRef idx="2">
+            <a:schemeClr val="accent6">
+              <a:shade val="50000"/>
+            </a:schemeClr>
+          </a:lnRef>
+          <a:fillRef idx="1">
+            <a:schemeClr val="accent6"/>
+          </a:fillRef>
+          <a:effectRef idx="0">
+            <a:schemeClr val="accent6"/>
+          </a:effectRef>
+          <a:fontRef idx="minor">
+            <a:schemeClr val="lt1"/>
+          </a:fontRef>
+        </p:style>
+        <p:txBody>
+          <a:bodyPr rtlCol="0" anchor="ctr"/>
+          <a:p>
+            <a:pPr algn="ctr"/>
+            <a:r>
+              <a:rPr lang="zh-CN" altLang="en-US"/>
+              <a:t>顶点数据</a:t>
+            </a:r>
+            <a:endParaRPr lang="zh-CN" altLang="en-US"/>
+          </a:p>
+        </p:txBody>
+      </p:sp>
+      <p:sp>
+        <p:nvSpPr>
+          <p:cNvPr id="75" name="五边形 74"/>
+          <p:cNvSpPr/>
+          <p:nvPr/>
+        </p:nvSpPr>
+        <p:spPr>
+          <a:xfrm>
+            <a:off x="385445" y="4329430"/>
+            <a:ext cx="1223645" cy="417830"/>
+          </a:xfrm>
+          <a:prstGeom prst="homePlate">
+            <a:avLst/>
+          </a:prstGeom>
+        </p:spPr>
+        <p:style>
+          <a:lnRef idx="2">
+            <a:schemeClr val="accent6">
+              <a:shade val="50000"/>
+            </a:schemeClr>
+          </a:lnRef>
+          <a:fillRef idx="1">
+            <a:schemeClr val="accent6"/>
+          </a:fillRef>
+          <a:effectRef idx="0">
+            <a:schemeClr val="accent6"/>
+          </a:effectRef>
+          <a:fontRef idx="minor">
+            <a:schemeClr val="lt1"/>
+          </a:fontRef>
+        </p:style>
+        <p:txBody>
+          <a:bodyPr rtlCol="0" anchor="ctr"/>
+          <a:p>
+            <a:pPr algn="ctr"/>
+            <a:r>
+              <a:rPr lang="zh-CN" altLang="en-US"/>
+              <a:t>对象</a:t>
+            </a:r>
+            <a:r>
+              <a:rPr lang="zh-CN" altLang="en-US"/>
+              <a:t>数据</a:t>
+            </a:r>
+            <a:endParaRPr lang="zh-CN" altLang="en-US"/>
+          </a:p>
+        </p:txBody>
+      </p:sp>
+      <p:sp>
+        <p:nvSpPr>
+          <p:cNvPr id="5" name="文本框 4"/>
+          <p:cNvSpPr txBox="1"/>
+          <p:nvPr/>
+        </p:nvSpPr>
+        <p:spPr>
+          <a:xfrm>
+            <a:off x="6219825" y="5010785"/>
+            <a:ext cx="2181860" cy="1938020"/>
+          </a:xfrm>
+          <a:prstGeom prst="rect">
+            <a:avLst/>
+          </a:prstGeom>
+          <a:noFill/>
+        </p:spPr>
+        <p:txBody>
+          <a:bodyPr wrap="square" rtlCol="0">
+            <a:spAutoFit/>
+          </a:bodyPr>
+          <a:p>
+            <a:pPr algn="ctr"/>
+            <a:r>
+              <a:rPr lang="en-US" altLang="zh-CN" sz="2400" b="1">
+                <a:solidFill>
+                  <a:srgbClr val="FF0000"/>
+                </a:solidFill>
               </a:rPr>
-              <a:t>server</a:t>
-            </a:r>
+              <a:t>1. </a:t>
+            </a:r>
+            <a:r>
+              <a:rPr lang="zh-CN" altLang="en-US" sz="2400" b="1">
+                <a:solidFill>
+                  <a:srgbClr val="FF0000"/>
+                </a:solidFill>
+              </a:rPr>
+              <a:t>插入示意图</a:t>
+            </a:r>
+            <a:endParaRPr lang="zh-CN" altLang="en-US" sz="2400" b="1">
+              <a:solidFill>
+                <a:srgbClr val="FF0000"/>
+              </a:solidFill>
+            </a:endParaRPr>
+          </a:p>
+          <a:p>
+            <a:pPr algn="ctr"/>
+            <a:r>
+              <a:rPr lang="en-US" altLang="zh-CN" sz="2400" b="1">
+                <a:solidFill>
+                  <a:srgbClr val="FF0000"/>
+                </a:solidFill>
+              </a:rPr>
+              <a:t>2. </a:t>
+            </a:r>
+            <a:r>
+              <a:rPr lang="zh-CN" altLang="en-US" sz="2400" b="1">
+                <a:solidFill>
+                  <a:srgbClr val="FF0000"/>
+                </a:solidFill>
+              </a:rPr>
+              <a:t>用一个实例</a:t>
+            </a:r>
+            <a:r>
+              <a:rPr lang="zh-CN" altLang="en-US" sz="2400" b="1">
+                <a:solidFill>
+                  <a:srgbClr val="FF0000"/>
+                </a:solidFill>
+              </a:rPr>
+              <a:t>将算法的流程的步骤一部</a:t>
+            </a:r>
+            <a:r>
+              <a:rPr lang="zh-CN" altLang="en-US" sz="2400" b="1">
+                <a:solidFill>
+                  <a:srgbClr val="FF0000"/>
+                </a:solidFill>
+              </a:rPr>
+              <a:t>展示出来</a:t>
+            </a:r>
+            <a:endParaRPr lang="zh-CN" altLang="en-US" sz="2400" b="1">
+              <a:solidFill>
+                <a:srgbClr val="FF0000"/>
+              </a:solidFill>
+            </a:endParaRPr>
+          </a:p>
+        </p:txBody>
+      </p:sp>
+      <p:sp>
+        <p:nvSpPr>
+          <p:cNvPr id="6" name="右箭头 5"/>
+          <p:cNvSpPr/>
+          <p:nvPr/>
+        </p:nvSpPr>
+        <p:spPr>
+          <a:xfrm rot="18360000">
+            <a:off x="8199755" y="4548505"/>
+            <a:ext cx="697865" cy="427990"/>
+          </a:xfrm>
+          <a:prstGeom prst="rightArrow">
+            <a:avLst/>
+          </a:prstGeom>
+        </p:spPr>
+        <p:style>
+          <a:lnRef idx="2">
+            <a:schemeClr val="accent1">
+              <a:shade val="50000"/>
+            </a:schemeClr>
+          </a:lnRef>
+          <a:fillRef idx="1">
+            <a:schemeClr val="accent1"/>
+          </a:fillRef>
+          <a:effectRef idx="0">
+            <a:schemeClr val="accent1"/>
+          </a:effectRef>
+          <a:fontRef idx="minor">
+            <a:schemeClr val="lt1"/>
+          </a:fontRef>
+        </p:style>
+        <p:txBody>
+          <a:bodyPr rtlCol="0" anchor="ctr"/>
+          <a:p>
+            <a:pPr algn="ctr"/>
+            <a:endParaRPr lang="zh-CN" altLang="en-US"/>
+          </a:p>
+        </p:txBody>
+      </p:sp>
+      <p:sp>
+        <p:nvSpPr>
+          <p:cNvPr id="7" name="右箭头 6"/>
+          <p:cNvSpPr/>
+          <p:nvPr/>
+        </p:nvSpPr>
+        <p:spPr>
+          <a:xfrm rot="13320000">
+            <a:off x="5511800" y="4594225"/>
+            <a:ext cx="881380" cy="427990"/>
+          </a:xfrm>
+          <a:prstGeom prst="rightArrow">
+            <a:avLst/>
+          </a:prstGeom>
+        </p:spPr>
+        <p:style>
+          <a:lnRef idx="2">
+            <a:schemeClr val="accent1">
+              <a:shade val="50000"/>
+            </a:schemeClr>
+          </a:lnRef>
+          <a:fillRef idx="1">
+            <a:schemeClr val="accent1"/>
+          </a:fillRef>
+          <a:effectRef idx="0">
+            <a:schemeClr val="accent1"/>
+          </a:effectRef>
+          <a:fontRef idx="minor">
+            <a:schemeClr val="lt1"/>
+          </a:fontRef>
+        </p:style>
+        <p:txBody>
+          <a:bodyPr rtlCol="0" anchor="ctr"/>
+          <a:p>
+            <a:pPr algn="ctr"/>
             <a:endParaRPr lang="zh-CN" altLang="en-US"/>
           </a:p>
         </p:txBody>
@@ -18612,8 +18759,8 @@
         </p:nvSpPr>
         <p:spPr>
           <a:xfrm>
-            <a:off x="146050" y="2060575"/>
-            <a:ext cx="2369185" cy="4493895"/>
+            <a:off x="242570" y="1546225"/>
+            <a:ext cx="2272665" cy="4493895"/>
           </a:xfrm>
           <a:prstGeom prst="rect">
             <a:avLst/>
@@ -18656,167 +18803,312 @@
       </p:sp>
       <p:sp>
         <p:nvSpPr>
-          <p:cNvPr id="58" name="矩形 57"/>
-          <p:cNvSpPr/>
-          <p:nvPr/>
-        </p:nvSpPr>
-        <p:spPr>
-          <a:xfrm>
-            <a:off x="2821940" y="2287905"/>
-            <a:ext cx="2834640" cy="2096770"/>
-          </a:xfrm>
-          <a:prstGeom prst="rect">
-            <a:avLst/>
-          </a:prstGeom>
-        </p:spPr>
-        <p:style>
-          <a:lnRef idx="0">
-            <a:schemeClr val="accent5"/>
-          </a:lnRef>
-          <a:fillRef idx="3">
-            <a:schemeClr val="accent5"/>
-          </a:fillRef>
-          <a:effectRef idx="3">
-            <a:schemeClr val="accent5"/>
-          </a:effectRef>
-          <a:fontRef idx="minor">
-            <a:schemeClr val="lt1"/>
-          </a:fontRef>
-        </p:style>
-        <p:txBody>
-          <a:bodyPr rtlCol="0" anchor="ctr"/>
-          <a:lstStyle/>
+          <p:cNvPr id="48" name="圆角矩形 47"/>
+          <p:cNvSpPr/>
+          <p:nvPr/>
+        </p:nvSpPr>
+        <p:spPr>
+          <a:xfrm>
+            <a:off x="9419590" y="1411605"/>
+            <a:ext cx="1513205" cy="447675"/>
+          </a:xfrm>
+          <a:prstGeom prst="roundRect">
+            <a:avLst/>
+          </a:prstGeom>
+        </p:spPr>
+        <p:style>
+          <a:lnRef idx="2">
+            <a:schemeClr val="accent3">
+              <a:shade val="50000"/>
+            </a:schemeClr>
+          </a:lnRef>
+          <a:fillRef idx="1">
+            <a:schemeClr val="accent3"/>
+          </a:fillRef>
+          <a:effectRef idx="0">
+            <a:schemeClr val="accent3"/>
+          </a:effectRef>
+          <a:fontRef idx="minor">
+            <a:schemeClr val="lt1"/>
+          </a:fontRef>
+        </p:style>
+        <p:txBody>
+          <a:bodyPr rtlCol="0" anchor="ctr"/>
+          <a:p>
+            <a:pPr algn="l"/>
+            <a:r>
+              <a:rPr lang="zh-CN" altLang="en-US"/>
+              <a:t>纹理</a:t>
+            </a:r>
+            <a:r>
+              <a:rPr lang="zh-CN" altLang="en-US"/>
+              <a:t>贴图</a:t>
+            </a:r>
+            <a:endParaRPr lang="zh-CN" altLang="en-US"/>
+          </a:p>
+        </p:txBody>
+      </p:sp>
+      <p:sp>
+        <p:nvSpPr>
+          <p:cNvPr id="50" name="圆角矩形 49"/>
+          <p:cNvSpPr/>
+          <p:nvPr/>
+        </p:nvSpPr>
+        <p:spPr>
+          <a:xfrm>
+            <a:off x="9439910" y="2416810"/>
+            <a:ext cx="1483360" cy="447675"/>
+          </a:xfrm>
+          <a:prstGeom prst="roundRect">
+            <a:avLst/>
+          </a:prstGeom>
+        </p:spPr>
+        <p:style>
+          <a:lnRef idx="2">
+            <a:schemeClr val="accent3">
+              <a:shade val="50000"/>
+            </a:schemeClr>
+          </a:lnRef>
+          <a:fillRef idx="1">
+            <a:schemeClr val="accent3"/>
+          </a:fillRef>
+          <a:effectRef idx="0">
+            <a:schemeClr val="accent3"/>
+          </a:effectRef>
+          <a:fontRef idx="minor">
+            <a:schemeClr val="lt1"/>
+          </a:fontRef>
+        </p:style>
+        <p:txBody>
+          <a:bodyPr rtlCol="0" anchor="ctr"/>
+          <a:p>
+            <a:pPr algn="l"/>
+            <a:r>
+              <a:rPr lang="zh-CN" altLang="en-US"/>
+              <a:t>贴图个数</a:t>
+            </a:r>
+            <a:endParaRPr lang="zh-CN" altLang="en-US"/>
+          </a:p>
+        </p:txBody>
+      </p:sp>
+      <p:sp>
+        <p:nvSpPr>
+          <p:cNvPr id="54" name="圆角矩形 53"/>
+          <p:cNvSpPr/>
+          <p:nvPr/>
+        </p:nvSpPr>
+        <p:spPr>
+          <a:xfrm>
+            <a:off x="3405505" y="2078355"/>
+            <a:ext cx="1662430" cy="447675"/>
+          </a:xfrm>
+          <a:prstGeom prst="roundRect">
+            <a:avLst/>
+          </a:prstGeom>
+        </p:spPr>
+        <p:style>
+          <a:lnRef idx="2">
+            <a:schemeClr val="accent3">
+              <a:shade val="50000"/>
+            </a:schemeClr>
+          </a:lnRef>
+          <a:fillRef idx="1">
+            <a:schemeClr val="accent3"/>
+          </a:fillRef>
+          <a:effectRef idx="0">
+            <a:schemeClr val="accent3"/>
+          </a:effectRef>
+          <a:fontRef idx="minor">
+            <a:schemeClr val="lt1"/>
+          </a:fontRef>
+        </p:style>
+        <p:txBody>
+          <a:bodyPr rtlCol="0" anchor="ctr"/>
           <a:p>
             <a:pPr algn="ctr"/>
             <a:r>
-              <a:rPr lang="zh-CN" altLang="en-US" sz="2400" b="1" dirty="0">
-                <a:effectLst>
-                  <a:outerShdw blurRad="38100" dist="38100" dir="2700000" algn="tl">
-                    <a:srgbClr val="000000">
-                      <a:alpha val="43137"/>
-                    </a:srgbClr>
-                  </a:outerShdw>
-                </a:effectLst>
-                <a:latin typeface="微软雅黑" panose="020B0503020204020204" pitchFamily="34" charset="-122"/>
-                <a:ea typeface="微软雅黑" panose="020B0503020204020204" pitchFamily="34" charset="-122"/>
-              </a:rPr>
-              <a:t>顶点着色器</a:t>
-            </a:r>
-            <a:endParaRPr lang="zh-CN" altLang="en-US" sz="2400" b="1" dirty="0">
-              <a:effectLst>
-                <a:outerShdw blurRad="38100" dist="38100" dir="2700000" algn="tl">
-                  <a:srgbClr val="000000">
-                    <a:alpha val="43137"/>
-                  </a:srgbClr>
-                </a:outerShdw>
-              </a:effectLst>
-              <a:latin typeface="微软雅黑" panose="020B0503020204020204" pitchFamily="34" charset="-122"/>
-              <a:ea typeface="微软雅黑" panose="020B0503020204020204" pitchFamily="34" charset="-122"/>
-            </a:endParaRPr>
-          </a:p>
-        </p:txBody>
-      </p:sp>
-      <p:sp>
-        <p:nvSpPr>
-          <p:cNvPr id="59" name="矩形 58"/>
-          <p:cNvSpPr/>
-          <p:nvPr/>
-        </p:nvSpPr>
-        <p:spPr>
-          <a:xfrm>
-            <a:off x="8785860" y="2342515"/>
-            <a:ext cx="2835910" cy="2041525"/>
-          </a:xfrm>
-          <a:prstGeom prst="rect">
-            <a:avLst/>
-          </a:prstGeom>
-        </p:spPr>
-        <p:style>
-          <a:lnRef idx="0">
-            <a:schemeClr val="accent5"/>
-          </a:lnRef>
-          <a:fillRef idx="3">
-            <a:schemeClr val="accent5"/>
-          </a:fillRef>
-          <a:effectRef idx="3">
-            <a:schemeClr val="accent5"/>
-          </a:effectRef>
-          <a:fontRef idx="minor">
-            <a:schemeClr val="lt1"/>
-          </a:fontRef>
-        </p:style>
-        <p:txBody>
-          <a:bodyPr rtlCol="0" anchor="ctr"/>
-          <a:lstStyle/>
+              <a:rPr lang="zh-CN" altLang="en-US"/>
+              <a:t>骨骼动画数据</a:t>
+            </a:r>
+            <a:endParaRPr lang="zh-CN" altLang="en-US"/>
+          </a:p>
+        </p:txBody>
+      </p:sp>
+      <p:sp>
+        <p:nvSpPr>
+          <p:cNvPr id="55" name="圆角矩形 54"/>
+          <p:cNvSpPr/>
+          <p:nvPr/>
+        </p:nvSpPr>
+        <p:spPr>
+          <a:xfrm>
+            <a:off x="3403600" y="3131820"/>
+            <a:ext cx="1826895" cy="1017905"/>
+          </a:xfrm>
+          <a:prstGeom prst="roundRect">
+            <a:avLst/>
+          </a:prstGeom>
+        </p:spPr>
+        <p:style>
+          <a:lnRef idx="2">
+            <a:schemeClr val="accent3">
+              <a:shade val="50000"/>
+            </a:schemeClr>
+          </a:lnRef>
+          <a:fillRef idx="1">
+            <a:schemeClr val="accent3"/>
+          </a:fillRef>
+          <a:effectRef idx="0">
+            <a:schemeClr val="accent3"/>
+          </a:effectRef>
+          <a:fontRef idx="minor">
+            <a:schemeClr val="lt1"/>
+          </a:fontRef>
+        </p:style>
+        <p:txBody>
+          <a:bodyPr rtlCol="0" anchor="ctr"/>
+          <a:p>
+            <a:pPr algn="l"/>
+            <a:r>
+              <a:rPr lang="zh-CN" altLang="en-US"/>
+              <a:t>模型视图矩阵</a:t>
+            </a:r>
+            <a:endParaRPr lang="zh-CN" altLang="en-US"/>
+          </a:p>
+          <a:p>
+            <a:pPr algn="l"/>
+            <a:r>
+              <a:rPr lang="zh-CN" altLang="en-US"/>
+              <a:t>投影矩阵</a:t>
+            </a:r>
+            <a:endParaRPr lang="zh-CN" altLang="en-US"/>
+          </a:p>
+          <a:p>
+            <a:pPr algn="l"/>
+            <a:r>
+              <a:rPr lang="zh-CN" altLang="en-US"/>
+              <a:t>时间</a:t>
+            </a:r>
+            <a:endParaRPr lang="zh-CN" altLang="en-US"/>
+          </a:p>
+        </p:txBody>
+      </p:sp>
+      <p:sp>
+        <p:nvSpPr>
+          <p:cNvPr id="57" name="圆角矩形 56"/>
+          <p:cNvSpPr/>
+          <p:nvPr/>
+        </p:nvSpPr>
+        <p:spPr>
+          <a:xfrm>
+            <a:off x="386080" y="2187575"/>
+            <a:ext cx="1907540" cy="1017905"/>
+          </a:xfrm>
+          <a:prstGeom prst="roundRect">
+            <a:avLst/>
+          </a:prstGeom>
+        </p:spPr>
+        <p:style>
+          <a:lnRef idx="2">
+            <a:schemeClr val="accent3">
+              <a:shade val="50000"/>
+            </a:schemeClr>
+          </a:lnRef>
+          <a:fillRef idx="1">
+            <a:schemeClr val="accent3"/>
+          </a:fillRef>
+          <a:effectRef idx="0">
+            <a:schemeClr val="accent3"/>
+          </a:effectRef>
+          <a:fontRef idx="minor">
+            <a:schemeClr val="lt1"/>
+          </a:fontRef>
+        </p:style>
+        <p:txBody>
+          <a:bodyPr rtlCol="0" anchor="ctr"/>
+          <a:p>
+            <a:pPr algn="l"/>
+            <a:r>
+              <a:rPr lang="zh-CN" altLang="en-US"/>
+              <a:t>顶点的原坐标</a:t>
+            </a:r>
+            <a:endParaRPr lang="zh-CN" altLang="en-US"/>
+          </a:p>
+          <a:p>
+            <a:pPr algn="l"/>
+            <a:r>
+              <a:rPr lang="zh-CN" altLang="en-US"/>
+              <a:t>顶点的UV</a:t>
+            </a:r>
+            <a:endParaRPr lang="zh-CN" altLang="en-US"/>
+          </a:p>
+          <a:p>
+            <a:pPr algn="l"/>
+            <a:r>
+              <a:rPr lang="zh-CN" altLang="en-US"/>
+              <a:t>骨骼索引</a:t>
+            </a:r>
+            <a:endParaRPr lang="zh-CN" altLang="en-US"/>
+          </a:p>
+        </p:txBody>
+      </p:sp>
+      <p:sp>
+        <p:nvSpPr>
+          <p:cNvPr id="73" name="五边形 72"/>
+          <p:cNvSpPr/>
+          <p:nvPr/>
+        </p:nvSpPr>
+        <p:spPr>
+          <a:xfrm>
+            <a:off x="363855" y="1823720"/>
+            <a:ext cx="2151380" cy="364490"/>
+          </a:xfrm>
+          <a:prstGeom prst="homePlate">
+            <a:avLst/>
+          </a:prstGeom>
+        </p:spPr>
+        <p:style>
+          <a:lnRef idx="2">
+            <a:schemeClr val="accent6">
+              <a:shade val="50000"/>
+            </a:schemeClr>
+          </a:lnRef>
+          <a:fillRef idx="1">
+            <a:schemeClr val="accent6"/>
+          </a:fillRef>
+          <a:effectRef idx="0">
+            <a:schemeClr val="accent6"/>
+          </a:effectRef>
+          <a:fontRef idx="minor">
+            <a:schemeClr val="lt1"/>
+          </a:fontRef>
+        </p:style>
+        <p:txBody>
+          <a:bodyPr rtlCol="0" anchor="ctr"/>
           <a:p>
             <a:pPr algn="ctr"/>
             <a:r>
-              <a:rPr lang="zh-CN" altLang="en-US" sz="2400" b="1" dirty="0">
-                <a:effectLst>
-                  <a:outerShdw blurRad="38100" dist="38100" dir="2700000" algn="tl">
-                    <a:srgbClr val="000000">
-                      <a:alpha val="43137"/>
-                    </a:srgbClr>
-                  </a:outerShdw>
-                </a:effectLst>
-                <a:latin typeface="微软雅黑" panose="020B0503020204020204" pitchFamily="34" charset="-122"/>
-                <a:ea typeface="微软雅黑" panose="020B0503020204020204" pitchFamily="34" charset="-122"/>
-              </a:rPr>
-              <a:t>片元着色器</a:t>
-            </a:r>
-            <a:endParaRPr lang="zh-CN" altLang="en-US" sz="2400" b="1" dirty="0">
-              <a:effectLst>
-                <a:outerShdw blurRad="38100" dist="38100" dir="2700000" algn="tl">
-                  <a:srgbClr val="000000">
-                    <a:alpha val="43137"/>
-                  </a:srgbClr>
-                </a:outerShdw>
-              </a:effectLst>
-              <a:latin typeface="微软雅黑" panose="020B0503020204020204" pitchFamily="34" charset="-122"/>
-              <a:ea typeface="微软雅黑" panose="020B0503020204020204" pitchFamily="34" charset="-122"/>
-            </a:endParaRPr>
-          </a:p>
-        </p:txBody>
-      </p:sp>
-      <p:sp>
-        <p:nvSpPr>
-          <p:cNvPr id="2" name="文本框 1"/>
-          <p:cNvSpPr txBox="1"/>
-          <p:nvPr/>
-        </p:nvSpPr>
-        <p:spPr>
-          <a:xfrm>
-            <a:off x="386080" y="2174875"/>
-            <a:ext cx="1989455" cy="368300"/>
-          </a:xfrm>
-          <a:prstGeom prst="rect">
-            <a:avLst/>
-          </a:prstGeom>
-          <a:noFill/>
-        </p:spPr>
-        <p:txBody>
-          <a:bodyPr wrap="square" rtlCol="0">
-            <a:spAutoFit/>
-          </a:bodyPr>
-          <a:p>
-            <a:r>
               <a:rPr lang="zh-CN" altLang="en-US"/>
-              <a:t>Attribute属性变量</a:t>
-            </a:r>
-            <a:endParaRPr lang="zh-CN" altLang="en-US"/>
-          </a:p>
-        </p:txBody>
-      </p:sp>
-      <p:sp>
-        <p:nvSpPr>
-          <p:cNvPr id="3" name="矩形 2"/>
-          <p:cNvSpPr/>
-          <p:nvPr/>
-        </p:nvSpPr>
-        <p:spPr>
-          <a:xfrm>
-            <a:off x="6103620" y="2342515"/>
-            <a:ext cx="2298065" cy="2125980"/>
+              <a:t>顶点attribute </a:t>
+            </a:r>
+            <a:r>
+              <a:rPr lang="en-US" altLang="zh-CN"/>
+              <a:t>data</a:t>
+            </a:r>
+            <a:endParaRPr lang="en-US" altLang="zh-CN"/>
+          </a:p>
+        </p:txBody>
+      </p:sp>
+      <p:sp>
+        <p:nvSpPr>
+          <p:cNvPr id="8" name="矩形 7"/>
+          <p:cNvSpPr/>
+          <p:nvPr/>
+        </p:nvSpPr>
+        <p:spPr>
+          <a:xfrm>
+            <a:off x="6185535" y="1546225"/>
+            <a:ext cx="2369185" cy="4493895"/>
           </a:xfrm>
           <a:prstGeom prst="rect">
             <a:avLst/>
@@ -18858,43 +19150,154 @@
       </p:sp>
       <p:sp>
         <p:nvSpPr>
-          <p:cNvPr id="4" name="文本框 3"/>
-          <p:cNvSpPr txBox="1"/>
-          <p:nvPr/>
-        </p:nvSpPr>
-        <p:spPr>
-          <a:xfrm>
-            <a:off x="6257925" y="2626360"/>
-            <a:ext cx="1989455" cy="368300"/>
-          </a:xfrm>
-          <a:prstGeom prst="rect">
-            <a:avLst/>
-          </a:prstGeom>
-          <a:noFill/>
-        </p:spPr>
-        <p:txBody>
-          <a:bodyPr wrap="square" rtlCol="0">
-            <a:spAutoFit/>
-          </a:bodyPr>
-          <a:p>
+          <p:cNvPr id="13" name="圆角矩形 12"/>
+          <p:cNvSpPr/>
+          <p:nvPr/>
+        </p:nvSpPr>
+        <p:spPr>
+          <a:xfrm>
+            <a:off x="6375400" y="1939925"/>
+            <a:ext cx="1989455" cy="1950085"/>
+          </a:xfrm>
+          <a:prstGeom prst="roundRect">
+            <a:avLst/>
+          </a:prstGeom>
+        </p:spPr>
+        <p:style>
+          <a:lnRef idx="2">
+            <a:schemeClr val="accent3">
+              <a:shade val="50000"/>
+            </a:schemeClr>
+          </a:lnRef>
+          <a:fillRef idx="1">
+            <a:schemeClr val="accent3"/>
+          </a:fillRef>
+          <a:effectRef idx="0">
+            <a:schemeClr val="accent3"/>
+          </a:effectRef>
+          <a:fontRef idx="minor">
+            <a:schemeClr val="lt1"/>
+          </a:fontRef>
+        </p:style>
+        <p:txBody>
+          <a:bodyPr rtlCol="0" anchor="ctr"/>
+          <a:p>
+            <a:pPr algn="l"/>
             <a:r>
               <a:rPr lang="zh-CN" altLang="en-US"/>
-              <a:t>Varying变量</a:t>
-            </a:r>
-            <a:endParaRPr lang="zh-CN" altLang="en-US"/>
-          </a:p>
-        </p:txBody>
-      </p:sp>
-      <p:sp>
-        <p:nvSpPr>
-          <p:cNvPr id="10" name="矩形 9"/>
-          <p:cNvSpPr/>
-          <p:nvPr/>
-        </p:nvSpPr>
-        <p:spPr>
-          <a:xfrm>
-            <a:off x="3318510" y="4918075"/>
-            <a:ext cx="2337435" cy="1559560"/>
+              <a:t>对象的</a:t>
+            </a:r>
+            <a:r>
+              <a:rPr lang="zh-CN" altLang="en-US"/>
+              <a:t>变换矩阵</a:t>
+            </a:r>
+            <a:endParaRPr lang="zh-CN" altLang="en-US"/>
+          </a:p>
+          <a:p>
+            <a:pPr algn="l"/>
+            <a:r>
+              <a:rPr lang="zh-CN" altLang="en-US"/>
+              <a:t>动画播放速度</a:t>
+            </a:r>
+            <a:endParaRPr lang="zh-CN" altLang="en-US"/>
+          </a:p>
+          <a:p>
+            <a:pPr algn="l"/>
+            <a:r>
+              <a:rPr lang="zh-CN" altLang="en-US"/>
+              <a:t>动画类型</a:t>
+            </a:r>
+            <a:endParaRPr lang="zh-CN" altLang="en-US"/>
+          </a:p>
+          <a:p>
+            <a:pPr algn="ctr"/>
+            <a:endParaRPr lang="zh-CN" altLang="en-US"/>
+          </a:p>
+          <a:p>
+            <a:pPr algn="ctr"/>
+            <a:r>
+              <a:rPr lang="zh-CN" altLang="en-US"/>
+              <a:t>贴图类型</a:t>
+            </a:r>
+            <a:endParaRPr lang="zh-CN" altLang="en-US"/>
+          </a:p>
+          <a:p>
+            <a:pPr algn="ctr"/>
+            <a:r>
+              <a:rPr lang="zh-CN" altLang="en-US"/>
+              <a:t>色调</a:t>
+            </a:r>
+            <a:endParaRPr lang="zh-CN" altLang="en-US"/>
+          </a:p>
+        </p:txBody>
+      </p:sp>
+      <p:sp>
+        <p:nvSpPr>
+          <p:cNvPr id="18" name="五边形 17"/>
+          <p:cNvSpPr/>
+          <p:nvPr/>
+        </p:nvSpPr>
+        <p:spPr>
+          <a:xfrm>
+            <a:off x="6394450" y="1635760"/>
+            <a:ext cx="2160270" cy="365760"/>
+          </a:xfrm>
+          <a:prstGeom prst="homePlate">
+            <a:avLst/>
+          </a:prstGeom>
+        </p:spPr>
+        <p:style>
+          <a:lnRef idx="2">
+            <a:schemeClr val="accent6">
+              <a:shade val="50000"/>
+            </a:schemeClr>
+          </a:lnRef>
+          <a:fillRef idx="1">
+            <a:schemeClr val="accent6"/>
+          </a:fillRef>
+          <a:effectRef idx="0">
+            <a:schemeClr val="accent6"/>
+          </a:effectRef>
+          <a:fontRef idx="minor">
+            <a:schemeClr val="lt1"/>
+          </a:fontRef>
+        </p:style>
+        <p:txBody>
+          <a:bodyPr rtlCol="0" anchor="ctr"/>
+          <a:p>
+            <a:pPr algn="ctr"/>
+            <a:r>
+              <a:rPr lang="zh-CN" altLang="en-US"/>
+              <a:t>对象</a:t>
+            </a:r>
+            <a:r>
+              <a:rPr lang="zh-CN" altLang="en-US">
+                <a:sym typeface="+mn-ea"/>
+              </a:rPr>
+              <a:t>attribute </a:t>
+            </a:r>
+            <a:r>
+              <a:rPr lang="en-US" altLang="zh-CN">
+                <a:sym typeface="+mn-ea"/>
+              </a:rPr>
+              <a:t>data</a:t>
+            </a:r>
+            <a:endParaRPr lang="en-US" altLang="zh-CN">
+              <a:sym typeface="+mn-ea"/>
+            </a:endParaRPr>
+          </a:p>
+        </p:txBody>
+      </p:sp>
+      <p:sp>
+        <p:nvSpPr>
+          <p:cNvPr id="20" name="矩形 19"/>
+          <p:cNvSpPr/>
+          <p:nvPr/>
+        </p:nvSpPr>
+        <p:spPr>
+          <a:xfrm>
+            <a:off x="3133725" y="1546225"/>
+            <a:ext cx="2369185" cy="4493895"/>
           </a:xfrm>
           <a:prstGeom prst="rect">
             <a:avLst/>
@@ -18936,43 +19339,14 @@
       </p:sp>
       <p:sp>
         <p:nvSpPr>
-          <p:cNvPr id="12" name="文本框 11"/>
-          <p:cNvSpPr txBox="1"/>
-          <p:nvPr/>
-        </p:nvSpPr>
-        <p:spPr>
-          <a:xfrm>
-            <a:off x="3492500" y="5170170"/>
-            <a:ext cx="1989455" cy="368300"/>
-          </a:xfrm>
-          <a:prstGeom prst="rect">
-            <a:avLst/>
-          </a:prstGeom>
-          <a:noFill/>
-        </p:spPr>
-        <p:txBody>
-          <a:bodyPr wrap="square" rtlCol="0">
-            <a:spAutoFit/>
-          </a:bodyPr>
-          <a:p>
-            <a:r>
-              <a:rPr lang="zh-CN" altLang="en-US"/>
-              <a:t>内建输出变量</a:t>
-            </a:r>
-            <a:endParaRPr lang="zh-CN" altLang="en-US"/>
-          </a:p>
-        </p:txBody>
-      </p:sp>
-      <p:sp>
-        <p:nvSpPr>
-          <p:cNvPr id="14" name="矩形 13"/>
-          <p:cNvSpPr/>
-          <p:nvPr/>
-        </p:nvSpPr>
-        <p:spPr>
-          <a:xfrm>
-            <a:off x="7720965" y="125730"/>
-            <a:ext cx="2113915" cy="1559560"/>
+          <p:cNvPr id="22" name="矩形 21"/>
+          <p:cNvSpPr/>
+          <p:nvPr/>
+        </p:nvSpPr>
+        <p:spPr>
+          <a:xfrm>
+            <a:off x="9001760" y="951230"/>
+            <a:ext cx="2369185" cy="5088890"/>
           </a:xfrm>
           <a:prstGeom prst="rect">
             <a:avLst/>
@@ -19014,14 +19388,478 @@
       </p:sp>
       <p:sp>
         <p:nvSpPr>
-          <p:cNvPr id="15" name="文本框 14"/>
+          <p:cNvPr id="24" name="五边形 23"/>
+          <p:cNvSpPr/>
+          <p:nvPr/>
+        </p:nvSpPr>
+        <p:spPr>
+          <a:xfrm>
+            <a:off x="3405505" y="1664970"/>
+            <a:ext cx="1137920" cy="417830"/>
+          </a:xfrm>
+          <a:prstGeom prst="homePlate">
+            <a:avLst/>
+          </a:prstGeom>
+        </p:spPr>
+        <p:style>
+          <a:lnRef idx="2">
+            <a:schemeClr val="accent6">
+              <a:shade val="50000"/>
+            </a:schemeClr>
+          </a:lnRef>
+          <a:fillRef idx="1">
+            <a:schemeClr val="accent6"/>
+          </a:fillRef>
+          <a:effectRef idx="0">
+            <a:schemeClr val="accent6"/>
+          </a:effectRef>
+          <a:fontRef idx="minor">
+            <a:schemeClr val="lt1"/>
+          </a:fontRef>
+        </p:style>
+        <p:txBody>
+          <a:bodyPr rtlCol="0" anchor="ctr"/>
+          <a:p>
+            <a:pPr algn="ctr"/>
+            <a:r>
+              <a:rPr lang="zh-CN" altLang="en-US">
+                <a:sym typeface="+mn-ea"/>
+              </a:rPr>
+              <a:t>sampler</a:t>
+            </a:r>
+            <a:endParaRPr lang="zh-CN" altLang="en-US">
+              <a:sym typeface="+mn-ea"/>
+            </a:endParaRPr>
+          </a:p>
+        </p:txBody>
+      </p:sp>
+      <p:sp>
+        <p:nvSpPr>
+          <p:cNvPr id="26" name="五边形 25"/>
+          <p:cNvSpPr/>
+          <p:nvPr/>
+        </p:nvSpPr>
+        <p:spPr>
+          <a:xfrm>
+            <a:off x="3403600" y="2752090"/>
+            <a:ext cx="1565910" cy="417830"/>
+          </a:xfrm>
+          <a:prstGeom prst="homePlate">
+            <a:avLst/>
+          </a:prstGeom>
+        </p:spPr>
+        <p:style>
+          <a:lnRef idx="2">
+            <a:schemeClr val="accent6">
+              <a:shade val="50000"/>
+            </a:schemeClr>
+          </a:lnRef>
+          <a:fillRef idx="1">
+            <a:schemeClr val="accent6"/>
+          </a:fillRef>
+          <a:effectRef idx="0">
+            <a:schemeClr val="accent6"/>
+          </a:effectRef>
+          <a:fontRef idx="minor">
+            <a:schemeClr val="lt1"/>
+          </a:fontRef>
+        </p:style>
+        <p:txBody>
+          <a:bodyPr rtlCol="0" anchor="ctr"/>
+          <a:p>
+            <a:pPr algn="ctr"/>
+            <a:r>
+              <a:rPr lang="zh-CN" altLang="en-US">
+                <a:sym typeface="+mn-ea"/>
+              </a:rPr>
+              <a:t>Uniform </a:t>
+            </a:r>
+            <a:r>
+              <a:rPr lang="en-US" altLang="zh-CN">
+                <a:sym typeface="+mn-ea"/>
+              </a:rPr>
+              <a:t>data</a:t>
+            </a:r>
+            <a:endParaRPr lang="en-US" altLang="zh-CN">
+              <a:sym typeface="+mn-ea"/>
+            </a:endParaRPr>
+          </a:p>
+        </p:txBody>
+      </p:sp>
+      <p:sp>
+        <p:nvSpPr>
+          <p:cNvPr id="28" name="五边形 27"/>
+          <p:cNvSpPr/>
+          <p:nvPr/>
+        </p:nvSpPr>
+        <p:spPr>
+          <a:xfrm>
+            <a:off x="9419590" y="1075055"/>
+            <a:ext cx="1137920" cy="417830"/>
+          </a:xfrm>
+          <a:prstGeom prst="homePlate">
+            <a:avLst/>
+          </a:prstGeom>
+        </p:spPr>
+        <p:style>
+          <a:lnRef idx="2">
+            <a:schemeClr val="accent6">
+              <a:shade val="50000"/>
+            </a:schemeClr>
+          </a:lnRef>
+          <a:fillRef idx="1">
+            <a:schemeClr val="accent6"/>
+          </a:fillRef>
+          <a:effectRef idx="0">
+            <a:schemeClr val="accent6"/>
+          </a:effectRef>
+          <a:fontRef idx="minor">
+            <a:schemeClr val="lt1"/>
+          </a:fontRef>
+        </p:style>
+        <p:txBody>
+          <a:bodyPr rtlCol="0" anchor="ctr"/>
+          <a:p>
+            <a:pPr algn="ctr"/>
+            <a:r>
+              <a:rPr lang="zh-CN" altLang="en-US">
+                <a:sym typeface="+mn-ea"/>
+              </a:rPr>
+              <a:t>sampler</a:t>
+            </a:r>
+            <a:endParaRPr lang="zh-CN" altLang="en-US">
+              <a:sym typeface="+mn-ea"/>
+            </a:endParaRPr>
+          </a:p>
+        </p:txBody>
+      </p:sp>
+      <p:sp>
+        <p:nvSpPr>
+          <p:cNvPr id="31" name="五边形 30"/>
+          <p:cNvSpPr/>
+          <p:nvPr/>
+        </p:nvSpPr>
+        <p:spPr>
+          <a:xfrm>
+            <a:off x="9439910" y="2025650"/>
+            <a:ext cx="1565910" cy="417830"/>
+          </a:xfrm>
+          <a:prstGeom prst="homePlate">
+            <a:avLst/>
+          </a:prstGeom>
+        </p:spPr>
+        <p:style>
+          <a:lnRef idx="2">
+            <a:schemeClr val="accent6">
+              <a:shade val="50000"/>
+            </a:schemeClr>
+          </a:lnRef>
+          <a:fillRef idx="1">
+            <a:schemeClr val="accent6"/>
+          </a:fillRef>
+          <a:effectRef idx="0">
+            <a:schemeClr val="accent6"/>
+          </a:effectRef>
+          <a:fontRef idx="minor">
+            <a:schemeClr val="lt1"/>
+          </a:fontRef>
+        </p:style>
+        <p:txBody>
+          <a:bodyPr rtlCol="0" anchor="ctr"/>
+          <a:p>
+            <a:pPr algn="ctr"/>
+            <a:r>
+              <a:rPr lang="zh-CN" altLang="en-US">
+                <a:sym typeface="+mn-ea"/>
+              </a:rPr>
+              <a:t>Uniform </a:t>
+            </a:r>
+            <a:r>
+              <a:rPr lang="en-US" altLang="zh-CN">
+                <a:sym typeface="+mn-ea"/>
+              </a:rPr>
+              <a:t>data</a:t>
+            </a:r>
+            <a:endParaRPr lang="zh-CN" altLang="en-US"/>
+          </a:p>
+        </p:txBody>
+      </p:sp>
+      <p:sp>
+        <p:nvSpPr>
+          <p:cNvPr id="33" name="矩形 32"/>
+          <p:cNvSpPr/>
+          <p:nvPr/>
+        </p:nvSpPr>
+        <p:spPr>
+          <a:xfrm>
+            <a:off x="71755" y="499110"/>
+            <a:ext cx="8673465" cy="6026150"/>
+          </a:xfrm>
+          <a:prstGeom prst="rect">
+            <a:avLst/>
+          </a:prstGeom>
+          <a:noFill/>
+          <a:ln>
+            <a:solidFill>
+              <a:srgbClr val="FFC000"/>
+            </a:solidFill>
+            <a:prstDash val="sysDash"/>
+          </a:ln>
+        </p:spPr>
+        <p:style>
+          <a:lnRef idx="2">
+            <a:schemeClr val="accent1">
+              <a:shade val="50000"/>
+            </a:schemeClr>
+          </a:lnRef>
+          <a:fillRef idx="1">
+            <a:schemeClr val="accent1"/>
+          </a:fillRef>
+          <a:effectRef idx="0">
+            <a:schemeClr val="accent1"/>
+          </a:effectRef>
+          <a:fontRef idx="minor">
+            <a:schemeClr val="lt1"/>
+          </a:fontRef>
+        </p:style>
+        <p:txBody>
+          <a:bodyPr rtlCol="0" anchor="ctr"/>
+          <a:p>
+            <a:pPr algn="ctr"/>
+            <a:endParaRPr lang="zh-CN" altLang="en-US"/>
+          </a:p>
+        </p:txBody>
+      </p:sp>
+      <p:sp>
+        <p:nvSpPr>
+          <p:cNvPr id="34" name="矩形 33"/>
+          <p:cNvSpPr/>
+          <p:nvPr/>
+        </p:nvSpPr>
+        <p:spPr>
+          <a:xfrm>
+            <a:off x="8854440" y="499110"/>
+            <a:ext cx="3251200" cy="6026150"/>
+          </a:xfrm>
+          <a:prstGeom prst="rect">
+            <a:avLst/>
+          </a:prstGeom>
+          <a:noFill/>
+          <a:ln>
+            <a:solidFill>
+              <a:srgbClr val="FFC000"/>
+            </a:solidFill>
+            <a:prstDash val="sysDash"/>
+          </a:ln>
+        </p:spPr>
+        <p:style>
+          <a:lnRef idx="2">
+            <a:schemeClr val="accent1">
+              <a:shade val="50000"/>
+            </a:schemeClr>
+          </a:lnRef>
+          <a:fillRef idx="1">
+            <a:schemeClr val="accent1"/>
+          </a:fillRef>
+          <a:effectRef idx="0">
+            <a:schemeClr val="accent1"/>
+          </a:effectRef>
+          <a:fontRef idx="minor">
+            <a:schemeClr val="lt1"/>
+          </a:fontRef>
+        </p:style>
+        <p:txBody>
+          <a:bodyPr rtlCol="0" anchor="ctr"/>
+          <a:p>
+            <a:pPr algn="ctr"/>
+            <a:endParaRPr lang="zh-CN" altLang="en-US"/>
+          </a:p>
+        </p:txBody>
+      </p:sp>
+      <p:sp>
+        <p:nvSpPr>
+          <p:cNvPr id="39" name="右箭头 38"/>
+          <p:cNvSpPr/>
+          <p:nvPr/>
+        </p:nvSpPr>
+        <p:spPr>
+          <a:xfrm>
+            <a:off x="2720340" y="4916170"/>
+            <a:ext cx="208915" cy="427990"/>
+          </a:xfrm>
+          <a:prstGeom prst="rightArrow">
+            <a:avLst/>
+          </a:prstGeom>
+        </p:spPr>
+        <p:style>
+          <a:lnRef idx="2">
+            <a:schemeClr val="accent1">
+              <a:shade val="50000"/>
+            </a:schemeClr>
+          </a:lnRef>
+          <a:fillRef idx="1">
+            <a:schemeClr val="accent1"/>
+          </a:fillRef>
+          <a:effectRef idx="0">
+            <a:schemeClr val="accent1"/>
+          </a:effectRef>
+          <a:fontRef idx="minor">
+            <a:schemeClr val="lt1"/>
+          </a:fontRef>
+        </p:style>
+        <p:txBody>
+          <a:bodyPr rtlCol="0" anchor="ctr"/>
+          <a:p>
+            <a:pPr algn="ctr"/>
+            <a:endParaRPr lang="zh-CN" altLang="en-US"/>
+          </a:p>
+        </p:txBody>
+      </p:sp>
+      <p:sp>
+        <p:nvSpPr>
+          <p:cNvPr id="41" name="右箭头 40"/>
+          <p:cNvSpPr/>
+          <p:nvPr/>
+        </p:nvSpPr>
+        <p:spPr>
+          <a:xfrm>
+            <a:off x="5739765" y="4916170"/>
+            <a:ext cx="208915" cy="427990"/>
+          </a:xfrm>
+          <a:prstGeom prst="rightArrow">
+            <a:avLst/>
+          </a:prstGeom>
+        </p:spPr>
+        <p:style>
+          <a:lnRef idx="2">
+            <a:schemeClr val="accent1">
+              <a:shade val="50000"/>
+            </a:schemeClr>
+          </a:lnRef>
+          <a:fillRef idx="1">
+            <a:schemeClr val="accent1"/>
+          </a:fillRef>
+          <a:effectRef idx="0">
+            <a:schemeClr val="accent1"/>
+          </a:effectRef>
+          <a:fontRef idx="minor">
+            <a:schemeClr val="lt1"/>
+          </a:fontRef>
+        </p:style>
+        <p:txBody>
+          <a:bodyPr rtlCol="0" anchor="ctr"/>
+          <a:p>
+            <a:pPr algn="ctr"/>
+            <a:endParaRPr lang="zh-CN" altLang="en-US"/>
+          </a:p>
+        </p:txBody>
+      </p:sp>
+      <p:pic>
+        <p:nvPicPr>
+          <p:cNvPr id="43" name="图片 42"/>
+          <p:cNvPicPr>
+            <a:picLocks noChangeAspect="1"/>
+          </p:cNvPicPr>
+          <p:nvPr/>
+        </p:nvPicPr>
+        <p:blipFill>
+          <a:blip r:embed="rId1"/>
+          <a:stretch>
+            <a:fillRect/>
+          </a:stretch>
+        </p:blipFill>
+        <p:spPr>
+          <a:xfrm>
+            <a:off x="487045" y="3405505"/>
+            <a:ext cx="1704975" cy="2375535"/>
+          </a:xfrm>
+          <a:prstGeom prst="rect">
+            <a:avLst/>
+          </a:prstGeom>
+        </p:spPr>
+      </p:pic>
+      <p:pic>
+        <p:nvPicPr>
+          <p:cNvPr id="45" name="图片 44"/>
+          <p:cNvPicPr>
+            <a:picLocks noChangeAspect="1"/>
+          </p:cNvPicPr>
+          <p:nvPr/>
+        </p:nvPicPr>
+        <p:blipFill>
+          <a:blip r:embed="rId2"/>
+          <a:stretch>
+            <a:fillRect/>
+          </a:stretch>
+        </p:blipFill>
+        <p:spPr>
+          <a:xfrm>
+            <a:off x="3858895" y="4338320"/>
+            <a:ext cx="756285" cy="1583690"/>
+          </a:xfrm>
+          <a:prstGeom prst="rect">
+            <a:avLst/>
+          </a:prstGeom>
+        </p:spPr>
+      </p:pic>
+      <p:pic>
+        <p:nvPicPr>
+          <p:cNvPr id="47" name="图片 46"/>
+          <p:cNvPicPr>
+            <a:picLocks noChangeAspect="1"/>
+          </p:cNvPicPr>
+          <p:nvPr/>
+        </p:nvPicPr>
+        <p:blipFill>
+          <a:blip r:embed="rId3"/>
+          <a:stretch>
+            <a:fillRect/>
+          </a:stretch>
+        </p:blipFill>
+        <p:spPr>
+          <a:xfrm>
+            <a:off x="6323965" y="4554855"/>
+            <a:ext cx="2092325" cy="972185"/>
+          </a:xfrm>
+          <a:prstGeom prst="rect">
+            <a:avLst/>
+          </a:prstGeom>
+        </p:spPr>
+      </p:pic>
+      <p:pic>
+        <p:nvPicPr>
+          <p:cNvPr id="49" name="图片 48"/>
+          <p:cNvPicPr>
+            <a:picLocks noChangeAspect="1"/>
+          </p:cNvPicPr>
+          <p:nvPr/>
+        </p:nvPicPr>
+        <p:blipFill>
+          <a:blip r:embed="rId4"/>
+          <a:stretch>
+            <a:fillRect/>
+          </a:stretch>
+        </p:blipFill>
+        <p:spPr>
+          <a:xfrm>
+            <a:off x="9155430" y="4625340"/>
+            <a:ext cx="2042795" cy="1009650"/>
+          </a:xfrm>
+          <a:prstGeom prst="rect">
+            <a:avLst/>
+          </a:prstGeom>
+        </p:spPr>
+      </p:pic>
+      <p:sp>
+        <p:nvSpPr>
+          <p:cNvPr id="51" name="文本框 50"/>
           <p:cNvSpPr txBox="1"/>
           <p:nvPr/>
         </p:nvSpPr>
         <p:spPr>
           <a:xfrm>
-            <a:off x="7720330" y="210185"/>
-            <a:ext cx="1989455" cy="368300"/>
+            <a:off x="3704590" y="552450"/>
+            <a:ext cx="1525905" cy="368300"/>
           </a:xfrm>
           <a:prstGeom prst="rect">
             <a:avLst/>
@@ -19034,23 +19872,52 @@
           </a:bodyPr>
           <a:p>
             <a:r>
-              <a:rPr lang="zh-CN" altLang="en-US"/>
-              <a:t>Uniform一致变量</a:t>
-            </a:r>
-            <a:endParaRPr lang="zh-CN" altLang="en-US"/>
-          </a:p>
-        </p:txBody>
-      </p:sp>
-      <p:sp>
-        <p:nvSpPr>
-          <p:cNvPr id="17" name="矩形 16"/>
-          <p:cNvSpPr/>
-          <p:nvPr/>
-        </p:nvSpPr>
-        <p:spPr>
-          <a:xfrm>
-            <a:off x="10014585" y="125730"/>
-            <a:ext cx="2038985" cy="1559560"/>
+              <a:rPr lang="en-US" altLang="zh-CN"/>
+              <a:t>vextex shader</a:t>
+            </a:r>
+            <a:endParaRPr lang="en-US" altLang="zh-CN"/>
+          </a:p>
+        </p:txBody>
+      </p:sp>
+      <p:sp>
+        <p:nvSpPr>
+          <p:cNvPr id="60" name="文本框 59"/>
+          <p:cNvSpPr txBox="1"/>
+          <p:nvPr/>
+        </p:nvSpPr>
+        <p:spPr>
+          <a:xfrm>
+            <a:off x="9381490" y="582930"/>
+            <a:ext cx="1989455" cy="368300"/>
+          </a:xfrm>
+          <a:prstGeom prst="rect">
+            <a:avLst/>
+          </a:prstGeom>
+          <a:noFill/>
+        </p:spPr>
+        <p:txBody>
+          <a:bodyPr wrap="square" rtlCol="0">
+            <a:spAutoFit/>
+          </a:bodyPr>
+          <a:p>
+            <a:r>
+              <a:rPr lang="en-US" altLang="zh-CN"/>
+              <a:t>fragment shader</a:t>
+            </a:r>
+            <a:endParaRPr lang="en-US" altLang="zh-CN"/>
+          </a:p>
+        </p:txBody>
+      </p:sp>
+      <p:sp>
+        <p:nvSpPr>
+          <p:cNvPr id="64" name="矩形 63"/>
+          <p:cNvSpPr/>
+          <p:nvPr/>
+        </p:nvSpPr>
+        <p:spPr>
+          <a:xfrm>
+            <a:off x="6722110" y="3077210"/>
+            <a:ext cx="1358265" cy="729615"/>
           </a:xfrm>
           <a:prstGeom prst="rect">
             <a:avLst/>
@@ -19092,57 +19959,124 @@
       </p:sp>
       <p:sp>
         <p:nvSpPr>
-          <p:cNvPr id="19" name="文本框 18"/>
-          <p:cNvSpPr txBox="1"/>
-          <p:nvPr/>
-        </p:nvSpPr>
-        <p:spPr>
-          <a:xfrm>
-            <a:off x="10238740" y="210185"/>
-            <a:ext cx="1989455" cy="368300"/>
-          </a:xfrm>
-          <a:prstGeom prst="rect">
-            <a:avLst/>
-          </a:prstGeom>
-          <a:noFill/>
-        </p:spPr>
-        <p:txBody>
-          <a:bodyPr wrap="square" rtlCol="0">
-            <a:spAutoFit/>
-          </a:bodyPr>
-          <a:p>
-            <a:r>
-              <a:rPr lang="zh-CN" altLang="en-US"/>
-              <a:t>采样器</a:t>
-            </a:r>
-            <a:endParaRPr lang="zh-CN" altLang="en-US"/>
-          </a:p>
-        </p:txBody>
-      </p:sp>
-      <p:sp>
-        <p:nvSpPr>
-          <p:cNvPr id="21" name="矩形 20"/>
-          <p:cNvSpPr/>
-          <p:nvPr/>
-        </p:nvSpPr>
-        <p:spPr>
-          <a:xfrm>
-            <a:off x="1609090" y="125730"/>
-            <a:ext cx="2337435" cy="1559560"/>
-          </a:xfrm>
-          <a:prstGeom prst="rect">
-            <a:avLst/>
-          </a:prstGeom>
-          <a:noFill/>
-          <a:ln w="38100">
-            <a:solidFill>
-              <a:schemeClr val="accent1">
-                <a:lumMod val="60000"/>
-                <a:lumOff val="40000"/>
-              </a:schemeClr>
-            </a:solidFill>
-            <a:prstDash val="sysDot"/>
-          </a:ln>
+          <p:cNvPr id="65" name="圆角矩形 64"/>
+          <p:cNvSpPr/>
+          <p:nvPr/>
+        </p:nvSpPr>
+        <p:spPr>
+          <a:xfrm>
+            <a:off x="9451975" y="3387090"/>
+            <a:ext cx="1483360" cy="681355"/>
+          </a:xfrm>
+          <a:prstGeom prst="roundRect">
+            <a:avLst/>
+          </a:prstGeom>
+        </p:spPr>
+        <p:style>
+          <a:lnRef idx="2">
+            <a:schemeClr val="accent3">
+              <a:shade val="50000"/>
+            </a:schemeClr>
+          </a:lnRef>
+          <a:fillRef idx="1">
+            <a:schemeClr val="accent3"/>
+          </a:fillRef>
+          <a:effectRef idx="0">
+            <a:schemeClr val="accent3"/>
+          </a:effectRef>
+          <a:fontRef idx="minor">
+            <a:schemeClr val="lt1"/>
+          </a:fontRef>
+        </p:style>
+        <p:txBody>
+          <a:bodyPr rtlCol="0" anchor="ctr"/>
+          <a:p>
+            <a:pPr algn="l"/>
+            <a:r>
+              <a:rPr lang="zh-CN" altLang="en-US">
+                <a:sym typeface="+mn-ea"/>
+              </a:rPr>
+              <a:t>贴图类型</a:t>
+            </a:r>
+            <a:endParaRPr lang="zh-CN" altLang="en-US"/>
+          </a:p>
+          <a:p>
+            <a:pPr algn="l"/>
+            <a:r>
+              <a:rPr lang="zh-CN" altLang="en-US">
+                <a:sym typeface="+mn-ea"/>
+              </a:rPr>
+              <a:t>色调</a:t>
+            </a:r>
+            <a:endParaRPr lang="zh-CN" altLang="en-US"/>
+          </a:p>
+        </p:txBody>
+      </p:sp>
+      <p:sp>
+        <p:nvSpPr>
+          <p:cNvPr id="66" name="五边形 65"/>
+          <p:cNvSpPr/>
+          <p:nvPr/>
+        </p:nvSpPr>
+        <p:spPr>
+          <a:xfrm>
+            <a:off x="9451975" y="2995930"/>
+            <a:ext cx="1565910" cy="417830"/>
+          </a:xfrm>
+          <a:prstGeom prst="homePlate">
+            <a:avLst/>
+          </a:prstGeom>
+        </p:spPr>
+        <p:style>
+          <a:lnRef idx="2">
+            <a:schemeClr val="accent6">
+              <a:shade val="50000"/>
+            </a:schemeClr>
+          </a:lnRef>
+          <a:fillRef idx="1">
+            <a:schemeClr val="accent6"/>
+          </a:fillRef>
+          <a:effectRef idx="0">
+            <a:schemeClr val="accent6"/>
+          </a:effectRef>
+          <a:fontRef idx="minor">
+            <a:schemeClr val="lt1"/>
+          </a:fontRef>
+        </p:style>
+        <p:txBody>
+          <a:bodyPr rtlCol="0" anchor="ctr"/>
+          <a:p>
+            <a:pPr algn="ctr"/>
+            <a:r>
+              <a:rPr lang="zh-CN" altLang="en-US">
+                <a:sym typeface="+mn-ea"/>
+              </a:rPr>
+              <a:t>varying </a:t>
+            </a:r>
+            <a:r>
+              <a:rPr lang="en-US" altLang="zh-CN">
+                <a:sym typeface="+mn-ea"/>
+              </a:rPr>
+              <a:t>data</a:t>
+            </a:r>
+            <a:endParaRPr lang="zh-CN" altLang="en-US"/>
+          </a:p>
+        </p:txBody>
+      </p:sp>
+      <p:sp>
+        <p:nvSpPr>
+          <p:cNvPr id="67" name="右箭头 66"/>
+          <p:cNvSpPr/>
+          <p:nvPr/>
+        </p:nvSpPr>
+        <p:spPr>
+          <a:xfrm>
+            <a:off x="7950835" y="3166110"/>
+            <a:ext cx="1646555" cy="438785"/>
+          </a:xfrm>
+          <a:prstGeom prst="rightArrow">
+            <a:avLst/>
+          </a:prstGeom>
         </p:spPr>
         <p:style>
           <a:lnRef idx="2">
@@ -19164,1242 +20098,24 @@
           <a:bodyPr rtlCol="0" anchor="ctr"/>
           <a:p>
             <a:pPr algn="ctr"/>
-            <a:endParaRPr lang="zh-CN" altLang="en-US"/>
-          </a:p>
-        </p:txBody>
-      </p:sp>
-      <p:sp>
-        <p:nvSpPr>
-          <p:cNvPr id="23" name="文本框 22"/>
-          <p:cNvSpPr txBox="1"/>
-          <p:nvPr/>
-        </p:nvSpPr>
-        <p:spPr>
-          <a:xfrm>
-            <a:off x="1674495" y="187960"/>
-            <a:ext cx="1989455" cy="368300"/>
-          </a:xfrm>
-          <a:prstGeom prst="rect">
-            <a:avLst/>
-          </a:prstGeom>
-          <a:noFill/>
-        </p:spPr>
-        <p:txBody>
-          <a:bodyPr wrap="square" rtlCol="0">
-            <a:spAutoFit/>
-          </a:bodyPr>
-          <a:p>
-            <a:r>
-              <a:rPr lang="zh-CN" altLang="en-US"/>
-              <a:t>Uniform一致变量</a:t>
-            </a:r>
-            <a:endParaRPr lang="zh-CN" altLang="en-US"/>
-          </a:p>
-        </p:txBody>
-      </p:sp>
-      <p:sp>
-        <p:nvSpPr>
-          <p:cNvPr id="25" name="矩形 24"/>
-          <p:cNvSpPr/>
-          <p:nvPr/>
-        </p:nvSpPr>
-        <p:spPr>
-          <a:xfrm>
-            <a:off x="4101465" y="125730"/>
-            <a:ext cx="2029460" cy="1559560"/>
-          </a:xfrm>
-          <a:prstGeom prst="rect">
-            <a:avLst/>
-          </a:prstGeom>
-          <a:noFill/>
-          <a:ln w="38100">
-            <a:solidFill>
-              <a:schemeClr val="accent1">
-                <a:lumMod val="60000"/>
-                <a:lumOff val="40000"/>
-              </a:schemeClr>
-            </a:solidFill>
-            <a:prstDash val="sysDot"/>
-          </a:ln>
-        </p:spPr>
-        <p:style>
-          <a:lnRef idx="2">
-            <a:schemeClr val="accent1">
-              <a:shade val="50000"/>
-            </a:schemeClr>
-          </a:lnRef>
-          <a:fillRef idx="1">
-            <a:schemeClr val="accent1"/>
-          </a:fillRef>
-          <a:effectRef idx="0">
-            <a:schemeClr val="accent1"/>
-          </a:effectRef>
-          <a:fontRef idx="minor">
-            <a:schemeClr val="lt1"/>
-          </a:fontRef>
-        </p:style>
-        <p:txBody>
-          <a:bodyPr rtlCol="0" anchor="ctr"/>
-          <a:p>
-            <a:pPr algn="ctr"/>
-            <a:endParaRPr lang="zh-CN" altLang="en-US"/>
-          </a:p>
-        </p:txBody>
-      </p:sp>
-      <p:sp>
-        <p:nvSpPr>
-          <p:cNvPr id="27" name="文本框 26"/>
-          <p:cNvSpPr txBox="1"/>
-          <p:nvPr/>
-        </p:nvSpPr>
-        <p:spPr>
-          <a:xfrm>
-            <a:off x="4295140" y="187960"/>
-            <a:ext cx="1272540" cy="368300"/>
-          </a:xfrm>
-          <a:prstGeom prst="rect">
-            <a:avLst/>
-          </a:prstGeom>
-          <a:noFill/>
-        </p:spPr>
-        <p:txBody>
-          <a:bodyPr wrap="square" rtlCol="0">
-            <a:spAutoFit/>
-          </a:bodyPr>
-          <a:p>
-            <a:r>
-              <a:rPr lang="zh-CN" altLang="en-US"/>
-              <a:t>采样器</a:t>
-            </a:r>
-            <a:endParaRPr lang="zh-CN" altLang="en-US"/>
-          </a:p>
-        </p:txBody>
-      </p:sp>
-      <p:sp>
-        <p:nvSpPr>
-          <p:cNvPr id="29" name="矩形 28"/>
-          <p:cNvSpPr/>
-          <p:nvPr/>
-        </p:nvSpPr>
-        <p:spPr>
-          <a:xfrm>
-            <a:off x="9050020" y="4932045"/>
-            <a:ext cx="2337435" cy="1559560"/>
-          </a:xfrm>
-          <a:prstGeom prst="rect">
-            <a:avLst/>
-          </a:prstGeom>
-          <a:noFill/>
-          <a:ln w="38100">
-            <a:solidFill>
-              <a:schemeClr val="accent1">
-                <a:lumMod val="60000"/>
-                <a:lumOff val="40000"/>
-              </a:schemeClr>
-            </a:solidFill>
-            <a:prstDash val="sysDot"/>
-          </a:ln>
-        </p:spPr>
-        <p:style>
-          <a:lnRef idx="2">
-            <a:schemeClr val="accent1">
-              <a:shade val="50000"/>
-            </a:schemeClr>
-          </a:lnRef>
-          <a:fillRef idx="1">
-            <a:schemeClr val="accent1"/>
-          </a:fillRef>
-          <a:effectRef idx="0">
-            <a:schemeClr val="accent1"/>
-          </a:effectRef>
-          <a:fontRef idx="minor">
-            <a:schemeClr val="lt1"/>
-          </a:fontRef>
-        </p:style>
-        <p:txBody>
-          <a:bodyPr rtlCol="0" anchor="ctr"/>
-          <a:p>
-            <a:pPr algn="ctr"/>
-            <a:endParaRPr lang="zh-CN" altLang="en-US"/>
-          </a:p>
-        </p:txBody>
-      </p:sp>
-      <p:sp>
-        <p:nvSpPr>
-          <p:cNvPr id="30" name="文本框 29"/>
-          <p:cNvSpPr txBox="1"/>
-          <p:nvPr/>
-        </p:nvSpPr>
-        <p:spPr>
-          <a:xfrm>
-            <a:off x="9224010" y="5184140"/>
-            <a:ext cx="1989455" cy="368300"/>
-          </a:xfrm>
-          <a:prstGeom prst="rect">
-            <a:avLst/>
-          </a:prstGeom>
-          <a:noFill/>
-        </p:spPr>
-        <p:txBody>
-          <a:bodyPr wrap="square" rtlCol="0">
-            <a:spAutoFit/>
-          </a:bodyPr>
-          <a:p>
-            <a:r>
-              <a:rPr lang="zh-CN" altLang="en-US"/>
-              <a:t>内建输出变量</a:t>
-            </a:r>
-            <a:endParaRPr lang="zh-CN" altLang="en-US"/>
-          </a:p>
-        </p:txBody>
-      </p:sp>
-      <p:sp>
-        <p:nvSpPr>
-          <p:cNvPr id="32" name="右箭头 31"/>
-          <p:cNvSpPr/>
-          <p:nvPr/>
-        </p:nvSpPr>
-        <p:spPr>
-          <a:xfrm>
-            <a:off x="2515235" y="3115310"/>
+            <a:r>
+              <a:rPr lang="en-US" altLang="zh-CN"/>
+              <a:t>vating data</a:t>
+            </a:r>
+            <a:endParaRPr lang="en-US" altLang="zh-CN"/>
+          </a:p>
+        </p:txBody>
+      </p:sp>
+      <p:sp>
+        <p:nvSpPr>
+          <p:cNvPr id="68" name="右箭头 67"/>
+          <p:cNvSpPr/>
+          <p:nvPr/>
+        </p:nvSpPr>
+        <p:spPr>
+          <a:xfrm>
+            <a:off x="8669655" y="4916170"/>
             <a:ext cx="208915" cy="427990"/>
-          </a:xfrm>
-          <a:prstGeom prst="rightArrow">
-            <a:avLst/>
-          </a:prstGeom>
-        </p:spPr>
-        <p:style>
-          <a:lnRef idx="2">
-            <a:schemeClr val="accent1">
-              <a:shade val="50000"/>
-            </a:schemeClr>
-          </a:lnRef>
-          <a:fillRef idx="1">
-            <a:schemeClr val="accent1"/>
-          </a:fillRef>
-          <a:effectRef idx="0">
-            <a:schemeClr val="accent1"/>
-          </a:effectRef>
-          <a:fontRef idx="minor">
-            <a:schemeClr val="lt1"/>
-          </a:fontRef>
-        </p:style>
-        <p:txBody>
-          <a:bodyPr rtlCol="0" anchor="ctr"/>
-          <a:p>
-            <a:pPr algn="ctr"/>
-            <a:endParaRPr lang="zh-CN" altLang="en-US"/>
-          </a:p>
-        </p:txBody>
-      </p:sp>
-      <p:sp>
-        <p:nvSpPr>
-          <p:cNvPr id="35" name="右箭头 34"/>
-          <p:cNvSpPr/>
-          <p:nvPr/>
-        </p:nvSpPr>
-        <p:spPr>
-          <a:xfrm>
-            <a:off x="5791835" y="3115310"/>
-            <a:ext cx="208915" cy="427990"/>
-          </a:xfrm>
-          <a:prstGeom prst="rightArrow">
-            <a:avLst/>
-          </a:prstGeom>
-        </p:spPr>
-        <p:style>
-          <a:lnRef idx="2">
-            <a:schemeClr val="accent1">
-              <a:shade val="50000"/>
-            </a:schemeClr>
-          </a:lnRef>
-          <a:fillRef idx="1">
-            <a:schemeClr val="accent1"/>
-          </a:fillRef>
-          <a:effectRef idx="0">
-            <a:schemeClr val="accent1"/>
-          </a:effectRef>
-          <a:fontRef idx="minor">
-            <a:schemeClr val="lt1"/>
-          </a:fontRef>
-        </p:style>
-        <p:txBody>
-          <a:bodyPr rtlCol="0" anchor="ctr"/>
-          <a:p>
-            <a:pPr algn="ctr"/>
-            <a:endParaRPr lang="zh-CN" altLang="en-US"/>
-          </a:p>
-        </p:txBody>
-      </p:sp>
-      <p:sp>
-        <p:nvSpPr>
-          <p:cNvPr id="36" name="右箭头 35"/>
-          <p:cNvSpPr/>
-          <p:nvPr/>
-        </p:nvSpPr>
-        <p:spPr>
-          <a:xfrm>
-            <a:off x="8489315" y="3122295"/>
-            <a:ext cx="208915" cy="427990"/>
-          </a:xfrm>
-          <a:prstGeom prst="rightArrow">
-            <a:avLst/>
-          </a:prstGeom>
-        </p:spPr>
-        <p:style>
-          <a:lnRef idx="2">
-            <a:schemeClr val="accent1">
-              <a:shade val="50000"/>
-            </a:schemeClr>
-          </a:lnRef>
-          <a:fillRef idx="1">
-            <a:schemeClr val="accent1"/>
-          </a:fillRef>
-          <a:effectRef idx="0">
-            <a:schemeClr val="accent1"/>
-          </a:effectRef>
-          <a:fontRef idx="minor">
-            <a:schemeClr val="lt1"/>
-          </a:fontRef>
-        </p:style>
-        <p:txBody>
-          <a:bodyPr rtlCol="0" anchor="ctr"/>
-          <a:p>
-            <a:pPr algn="ctr"/>
-            <a:endParaRPr lang="zh-CN" altLang="en-US"/>
-          </a:p>
-        </p:txBody>
-      </p:sp>
-      <p:sp>
-        <p:nvSpPr>
-          <p:cNvPr id="37" name="下箭头 36"/>
-          <p:cNvSpPr/>
-          <p:nvPr/>
-        </p:nvSpPr>
-        <p:spPr>
-          <a:xfrm>
-            <a:off x="3221990" y="1781175"/>
-            <a:ext cx="278130" cy="278765"/>
-          </a:xfrm>
-          <a:prstGeom prst="downArrow">
-            <a:avLst/>
-          </a:prstGeom>
-        </p:spPr>
-        <p:style>
-          <a:lnRef idx="2">
-            <a:schemeClr val="accent1">
-              <a:shade val="50000"/>
-            </a:schemeClr>
-          </a:lnRef>
-          <a:fillRef idx="1">
-            <a:schemeClr val="accent1"/>
-          </a:fillRef>
-          <a:effectRef idx="0">
-            <a:schemeClr val="accent1"/>
-          </a:effectRef>
-          <a:fontRef idx="minor">
-            <a:schemeClr val="lt1"/>
-          </a:fontRef>
-        </p:style>
-        <p:txBody>
-          <a:bodyPr rtlCol="0" anchor="ctr"/>
-          <a:p>
-            <a:pPr algn="ctr"/>
-            <a:endParaRPr lang="zh-CN" altLang="en-US"/>
-          </a:p>
-        </p:txBody>
-      </p:sp>
-      <p:sp>
-        <p:nvSpPr>
-          <p:cNvPr id="38" name="下箭头 37"/>
-          <p:cNvSpPr/>
-          <p:nvPr/>
-        </p:nvSpPr>
-        <p:spPr>
-          <a:xfrm>
-            <a:off x="4792345" y="1781175"/>
-            <a:ext cx="278130" cy="278765"/>
-          </a:xfrm>
-          <a:prstGeom prst="downArrow">
-            <a:avLst/>
-          </a:prstGeom>
-        </p:spPr>
-        <p:style>
-          <a:lnRef idx="2">
-            <a:schemeClr val="accent1">
-              <a:shade val="50000"/>
-            </a:schemeClr>
-          </a:lnRef>
-          <a:fillRef idx="1">
-            <a:schemeClr val="accent1"/>
-          </a:fillRef>
-          <a:effectRef idx="0">
-            <a:schemeClr val="accent1"/>
-          </a:effectRef>
-          <a:fontRef idx="minor">
-            <a:schemeClr val="lt1"/>
-          </a:fontRef>
-        </p:style>
-        <p:txBody>
-          <a:bodyPr rtlCol="0" anchor="ctr"/>
-          <a:p>
-            <a:pPr algn="ctr"/>
-            <a:endParaRPr lang="zh-CN" altLang="en-US"/>
-          </a:p>
-        </p:txBody>
-      </p:sp>
-      <p:sp>
-        <p:nvSpPr>
-          <p:cNvPr id="40" name="下箭头 39"/>
-          <p:cNvSpPr/>
-          <p:nvPr/>
-        </p:nvSpPr>
-        <p:spPr>
-          <a:xfrm>
-            <a:off x="8983345" y="1781175"/>
-            <a:ext cx="278130" cy="278765"/>
-          </a:xfrm>
-          <a:prstGeom prst="downArrow">
-            <a:avLst/>
-          </a:prstGeom>
-        </p:spPr>
-        <p:style>
-          <a:lnRef idx="2">
-            <a:schemeClr val="accent1">
-              <a:shade val="50000"/>
-            </a:schemeClr>
-          </a:lnRef>
-          <a:fillRef idx="1">
-            <a:schemeClr val="accent1"/>
-          </a:fillRef>
-          <a:effectRef idx="0">
-            <a:schemeClr val="accent1"/>
-          </a:effectRef>
-          <a:fontRef idx="minor">
-            <a:schemeClr val="lt1"/>
-          </a:fontRef>
-        </p:style>
-        <p:txBody>
-          <a:bodyPr rtlCol="0" anchor="ctr"/>
-          <a:p>
-            <a:pPr algn="ctr"/>
-            <a:endParaRPr lang="zh-CN" altLang="en-US"/>
-          </a:p>
-        </p:txBody>
-      </p:sp>
-      <p:sp>
-        <p:nvSpPr>
-          <p:cNvPr id="42" name="下箭头 41"/>
-          <p:cNvSpPr/>
-          <p:nvPr/>
-        </p:nvSpPr>
-        <p:spPr>
-          <a:xfrm>
-            <a:off x="10868660" y="1781175"/>
-            <a:ext cx="278130" cy="278765"/>
-          </a:xfrm>
-          <a:prstGeom prst="downArrow">
-            <a:avLst/>
-          </a:prstGeom>
-        </p:spPr>
-        <p:style>
-          <a:lnRef idx="2">
-            <a:schemeClr val="accent1">
-              <a:shade val="50000"/>
-            </a:schemeClr>
-          </a:lnRef>
-          <a:fillRef idx="1">
-            <a:schemeClr val="accent1"/>
-          </a:fillRef>
-          <a:effectRef idx="0">
-            <a:schemeClr val="accent1"/>
-          </a:effectRef>
-          <a:fontRef idx="minor">
-            <a:schemeClr val="lt1"/>
-          </a:fontRef>
-        </p:style>
-        <p:txBody>
-          <a:bodyPr rtlCol="0" anchor="ctr"/>
-          <a:p>
-            <a:pPr algn="ctr"/>
-            <a:endParaRPr lang="zh-CN" altLang="en-US"/>
-          </a:p>
-        </p:txBody>
-      </p:sp>
-      <p:sp>
-        <p:nvSpPr>
-          <p:cNvPr id="44" name="下箭头 43"/>
-          <p:cNvSpPr/>
-          <p:nvPr/>
-        </p:nvSpPr>
-        <p:spPr>
-          <a:xfrm>
-            <a:off x="4339590" y="4468495"/>
-            <a:ext cx="278130" cy="278765"/>
-          </a:xfrm>
-          <a:prstGeom prst="downArrow">
-            <a:avLst/>
-          </a:prstGeom>
-        </p:spPr>
-        <p:style>
-          <a:lnRef idx="2">
-            <a:schemeClr val="accent1">
-              <a:shade val="50000"/>
-            </a:schemeClr>
-          </a:lnRef>
-          <a:fillRef idx="1">
-            <a:schemeClr val="accent1"/>
-          </a:fillRef>
-          <a:effectRef idx="0">
-            <a:schemeClr val="accent1"/>
-          </a:effectRef>
-          <a:fontRef idx="minor">
-            <a:schemeClr val="lt1"/>
-          </a:fontRef>
-        </p:style>
-        <p:txBody>
-          <a:bodyPr rtlCol="0" anchor="ctr"/>
-          <a:p>
-            <a:pPr algn="ctr"/>
-            <a:endParaRPr lang="zh-CN" altLang="en-US"/>
-          </a:p>
-        </p:txBody>
-      </p:sp>
-      <p:sp>
-        <p:nvSpPr>
-          <p:cNvPr id="46" name="下箭头 45"/>
-          <p:cNvSpPr/>
-          <p:nvPr/>
-        </p:nvSpPr>
-        <p:spPr>
-          <a:xfrm>
-            <a:off x="10064750" y="4468495"/>
-            <a:ext cx="278130" cy="278765"/>
-          </a:xfrm>
-          <a:prstGeom prst="downArrow">
-            <a:avLst/>
-          </a:prstGeom>
-        </p:spPr>
-        <p:style>
-          <a:lnRef idx="2">
-            <a:schemeClr val="accent1">
-              <a:shade val="50000"/>
-            </a:schemeClr>
-          </a:lnRef>
-          <a:fillRef idx="1">
-            <a:schemeClr val="accent1"/>
-          </a:fillRef>
-          <a:effectRef idx="0">
-            <a:schemeClr val="accent1"/>
-          </a:effectRef>
-          <a:fontRef idx="minor">
-            <a:schemeClr val="lt1"/>
-          </a:fontRef>
-        </p:style>
-        <p:txBody>
-          <a:bodyPr rtlCol="0" anchor="ctr"/>
-          <a:p>
-            <a:pPr algn="ctr"/>
-            <a:endParaRPr lang="zh-CN" altLang="en-US"/>
-          </a:p>
-        </p:txBody>
-      </p:sp>
-      <p:sp>
-        <p:nvSpPr>
-          <p:cNvPr id="48" name="圆角矩形 47"/>
-          <p:cNvSpPr/>
-          <p:nvPr/>
-        </p:nvSpPr>
-        <p:spPr>
-          <a:xfrm>
-            <a:off x="10176510" y="847725"/>
-            <a:ext cx="1513205" cy="447675"/>
-          </a:xfrm>
-          <a:prstGeom prst="roundRect">
-            <a:avLst/>
-          </a:prstGeom>
-        </p:spPr>
-        <p:style>
-          <a:lnRef idx="2">
-            <a:schemeClr val="accent3">
-              <a:shade val="50000"/>
-            </a:schemeClr>
-          </a:lnRef>
-          <a:fillRef idx="1">
-            <a:schemeClr val="accent3"/>
-          </a:fillRef>
-          <a:effectRef idx="0">
-            <a:schemeClr val="accent3"/>
-          </a:effectRef>
-          <a:fontRef idx="minor">
-            <a:schemeClr val="lt1"/>
-          </a:fontRef>
-        </p:style>
-        <p:txBody>
-          <a:bodyPr rtlCol="0" anchor="ctr"/>
-          <a:p>
-            <a:pPr algn="ctr"/>
-            <a:r>
-              <a:rPr lang="zh-CN" altLang="en-US"/>
-              <a:t>贴图个数</a:t>
-            </a:r>
-            <a:endParaRPr lang="zh-CN" altLang="en-US"/>
-          </a:p>
-        </p:txBody>
-      </p:sp>
-      <p:sp>
-        <p:nvSpPr>
-          <p:cNvPr id="50" name="圆角矩形 49"/>
-          <p:cNvSpPr/>
-          <p:nvPr/>
-        </p:nvSpPr>
-        <p:spPr>
-          <a:xfrm>
-            <a:off x="8033385" y="847725"/>
-            <a:ext cx="1483360" cy="447675"/>
-          </a:xfrm>
-          <a:prstGeom prst="roundRect">
-            <a:avLst/>
-          </a:prstGeom>
-        </p:spPr>
-        <p:style>
-          <a:lnRef idx="2">
-            <a:schemeClr val="accent3">
-              <a:shade val="50000"/>
-            </a:schemeClr>
-          </a:lnRef>
-          <a:fillRef idx="1">
-            <a:schemeClr val="accent3"/>
-          </a:fillRef>
-          <a:effectRef idx="0">
-            <a:schemeClr val="accent3"/>
-          </a:effectRef>
-          <a:fontRef idx="minor">
-            <a:schemeClr val="lt1"/>
-          </a:fontRef>
-        </p:style>
-        <p:txBody>
-          <a:bodyPr rtlCol="0" anchor="ctr"/>
-          <a:p>
-            <a:pPr algn="ctr"/>
-            <a:r>
-              <a:rPr lang="zh-CN" altLang="en-US"/>
-              <a:t>纹理贴图</a:t>
-            </a:r>
-            <a:endParaRPr lang="zh-CN" altLang="en-US"/>
-          </a:p>
-        </p:txBody>
-      </p:sp>
-      <p:sp>
-        <p:nvSpPr>
-          <p:cNvPr id="52" name="圆角矩形 51"/>
-          <p:cNvSpPr/>
-          <p:nvPr/>
-        </p:nvSpPr>
-        <p:spPr>
-          <a:xfrm>
-            <a:off x="9449435" y="5648960"/>
-            <a:ext cx="1662430" cy="447675"/>
-          </a:xfrm>
-          <a:prstGeom prst="roundRect">
-            <a:avLst/>
-          </a:prstGeom>
-        </p:spPr>
-        <p:style>
-          <a:lnRef idx="2">
-            <a:schemeClr val="accent3">
-              <a:shade val="50000"/>
-            </a:schemeClr>
-          </a:lnRef>
-          <a:fillRef idx="1">
-            <a:schemeClr val="accent3"/>
-          </a:fillRef>
-          <a:effectRef idx="0">
-            <a:schemeClr val="accent3"/>
-          </a:effectRef>
-          <a:fontRef idx="minor">
-            <a:schemeClr val="lt1"/>
-          </a:fontRef>
-        </p:style>
-        <p:txBody>
-          <a:bodyPr rtlCol="0" anchor="ctr"/>
-          <a:p>
-            <a:pPr algn="ctr"/>
-            <a:r>
-              <a:rPr lang="zh-CN" altLang="en-US"/>
-              <a:t>片元颜色</a:t>
-            </a:r>
-            <a:endParaRPr lang="zh-CN" altLang="en-US"/>
-          </a:p>
-        </p:txBody>
-      </p:sp>
-      <p:sp>
-        <p:nvSpPr>
-          <p:cNvPr id="53" name="圆角矩形 52"/>
-          <p:cNvSpPr/>
-          <p:nvPr/>
-        </p:nvSpPr>
-        <p:spPr>
-          <a:xfrm>
-            <a:off x="3647440" y="5648960"/>
-            <a:ext cx="1662430" cy="447675"/>
-          </a:xfrm>
-          <a:prstGeom prst="roundRect">
-            <a:avLst/>
-          </a:prstGeom>
-        </p:spPr>
-        <p:style>
-          <a:lnRef idx="2">
-            <a:schemeClr val="accent3">
-              <a:shade val="50000"/>
-            </a:schemeClr>
-          </a:lnRef>
-          <a:fillRef idx="1">
-            <a:schemeClr val="accent3"/>
-          </a:fillRef>
-          <a:effectRef idx="0">
-            <a:schemeClr val="accent3"/>
-          </a:effectRef>
-          <a:fontRef idx="minor">
-            <a:schemeClr val="lt1"/>
-          </a:fontRef>
-        </p:style>
-        <p:txBody>
-          <a:bodyPr rtlCol="0" anchor="ctr"/>
-          <a:p>
-            <a:pPr algn="ctr"/>
-            <a:r>
-              <a:rPr lang="zh-CN" altLang="en-US"/>
-              <a:t>顶点屏幕坐标</a:t>
-            </a:r>
-            <a:endParaRPr lang="zh-CN" altLang="en-US"/>
-          </a:p>
-        </p:txBody>
-      </p:sp>
-      <p:sp>
-        <p:nvSpPr>
-          <p:cNvPr id="54" name="圆角矩形 53"/>
-          <p:cNvSpPr/>
-          <p:nvPr/>
-        </p:nvSpPr>
-        <p:spPr>
-          <a:xfrm>
-            <a:off x="4329430" y="847725"/>
-            <a:ext cx="1662430" cy="447675"/>
-          </a:xfrm>
-          <a:prstGeom prst="roundRect">
-            <a:avLst/>
-          </a:prstGeom>
-        </p:spPr>
-        <p:style>
-          <a:lnRef idx="2">
-            <a:schemeClr val="accent3">
-              <a:shade val="50000"/>
-            </a:schemeClr>
-          </a:lnRef>
-          <a:fillRef idx="1">
-            <a:schemeClr val="accent3"/>
-          </a:fillRef>
-          <a:effectRef idx="0">
-            <a:schemeClr val="accent3"/>
-          </a:effectRef>
-          <a:fontRef idx="minor">
-            <a:schemeClr val="lt1"/>
-          </a:fontRef>
-        </p:style>
-        <p:txBody>
-          <a:bodyPr rtlCol="0" anchor="ctr"/>
-          <a:p>
-            <a:pPr algn="ctr"/>
-            <a:r>
-              <a:rPr lang="zh-CN" altLang="en-US"/>
-              <a:t>骨骼动画数据</a:t>
-            </a:r>
-            <a:endParaRPr lang="zh-CN" altLang="en-US"/>
-          </a:p>
-        </p:txBody>
-      </p:sp>
-      <p:sp>
-        <p:nvSpPr>
-          <p:cNvPr id="55" name="圆角矩形 54"/>
-          <p:cNvSpPr/>
-          <p:nvPr/>
-        </p:nvSpPr>
-        <p:spPr>
-          <a:xfrm>
-            <a:off x="1820545" y="578485"/>
-            <a:ext cx="1826895" cy="1017905"/>
-          </a:xfrm>
-          <a:prstGeom prst="roundRect">
-            <a:avLst/>
-          </a:prstGeom>
-        </p:spPr>
-        <p:style>
-          <a:lnRef idx="2">
-            <a:schemeClr val="accent3">
-              <a:shade val="50000"/>
-            </a:schemeClr>
-          </a:lnRef>
-          <a:fillRef idx="1">
-            <a:schemeClr val="accent3"/>
-          </a:fillRef>
-          <a:effectRef idx="0">
-            <a:schemeClr val="accent3"/>
-          </a:effectRef>
-          <a:fontRef idx="minor">
-            <a:schemeClr val="lt1"/>
-          </a:fontRef>
-        </p:style>
-        <p:txBody>
-          <a:bodyPr rtlCol="0" anchor="ctr"/>
-          <a:p>
-            <a:pPr algn="ctr"/>
-            <a:r>
-              <a:rPr lang="zh-CN" altLang="en-US"/>
-              <a:t>模型视图矩阵</a:t>
-            </a:r>
-            <a:endParaRPr lang="zh-CN" altLang="en-US"/>
-          </a:p>
-          <a:p>
-            <a:pPr algn="ctr"/>
-            <a:r>
-              <a:rPr lang="zh-CN" altLang="en-US"/>
-              <a:t>投影矩阵</a:t>
-            </a:r>
-            <a:endParaRPr lang="zh-CN" altLang="en-US"/>
-          </a:p>
-          <a:p>
-            <a:pPr algn="ctr"/>
-            <a:r>
-              <a:rPr lang="zh-CN" altLang="en-US"/>
-              <a:t>时间</a:t>
-            </a:r>
-            <a:endParaRPr lang="zh-CN" altLang="en-US"/>
-          </a:p>
-        </p:txBody>
-      </p:sp>
-      <p:sp>
-        <p:nvSpPr>
-          <p:cNvPr id="56" name="圆角矩形 55"/>
-          <p:cNvSpPr/>
-          <p:nvPr/>
-        </p:nvSpPr>
-        <p:spPr>
-          <a:xfrm>
-            <a:off x="6257925" y="3115310"/>
-            <a:ext cx="1826895" cy="1017905"/>
-          </a:xfrm>
-          <a:prstGeom prst="roundRect">
-            <a:avLst/>
-          </a:prstGeom>
-        </p:spPr>
-        <p:style>
-          <a:lnRef idx="2">
-            <a:schemeClr val="accent3">
-              <a:shade val="50000"/>
-            </a:schemeClr>
-          </a:lnRef>
-          <a:fillRef idx="1">
-            <a:schemeClr val="accent3"/>
-          </a:fillRef>
-          <a:effectRef idx="0">
-            <a:schemeClr val="accent3"/>
-          </a:effectRef>
-          <a:fontRef idx="minor">
-            <a:schemeClr val="lt1"/>
-          </a:fontRef>
-        </p:style>
-        <p:txBody>
-          <a:bodyPr rtlCol="0" anchor="ctr"/>
-          <a:p>
-            <a:pPr algn="ctr"/>
-            <a:r>
-              <a:rPr lang="zh-CN" altLang="en-US"/>
-              <a:t>顶点所在部位</a:t>
-            </a:r>
-            <a:endParaRPr lang="zh-CN" altLang="en-US"/>
-          </a:p>
-          <a:p>
-            <a:pPr algn="ctr"/>
-            <a:r>
-              <a:rPr lang="zh-CN" altLang="en-US"/>
-              <a:t>贴图类型</a:t>
-            </a:r>
-            <a:endParaRPr lang="zh-CN" altLang="en-US"/>
-          </a:p>
-          <a:p>
-            <a:pPr algn="ctr"/>
-            <a:r>
-              <a:rPr lang="zh-CN" altLang="en-US"/>
-              <a:t>色调</a:t>
-            </a:r>
-            <a:endParaRPr lang="zh-CN" altLang="en-US"/>
-          </a:p>
-        </p:txBody>
-      </p:sp>
-      <p:sp>
-        <p:nvSpPr>
-          <p:cNvPr id="57" name="圆角矩形 56"/>
-          <p:cNvSpPr/>
-          <p:nvPr/>
-        </p:nvSpPr>
-        <p:spPr>
-          <a:xfrm>
-            <a:off x="386080" y="3122295"/>
-            <a:ext cx="1907540" cy="1017905"/>
-          </a:xfrm>
-          <a:prstGeom prst="roundRect">
-            <a:avLst/>
-          </a:prstGeom>
-        </p:spPr>
-        <p:style>
-          <a:lnRef idx="2">
-            <a:schemeClr val="accent3">
-              <a:shade val="50000"/>
-            </a:schemeClr>
-          </a:lnRef>
-          <a:fillRef idx="1">
-            <a:schemeClr val="accent3"/>
-          </a:fillRef>
-          <a:effectRef idx="0">
-            <a:schemeClr val="accent3"/>
-          </a:effectRef>
-          <a:fontRef idx="minor">
-            <a:schemeClr val="lt1"/>
-          </a:fontRef>
-        </p:style>
-        <p:txBody>
-          <a:bodyPr rtlCol="0" anchor="ctr"/>
-          <a:p>
-            <a:pPr algn="ctr"/>
-            <a:r>
-              <a:rPr lang="zh-CN" altLang="en-US"/>
-              <a:t>顶点的原坐标</a:t>
-            </a:r>
-            <a:endParaRPr lang="zh-CN" altLang="en-US"/>
-          </a:p>
-          <a:p>
-            <a:pPr algn="ctr"/>
-            <a:r>
-              <a:rPr lang="zh-CN" altLang="en-US"/>
-              <a:t>顶点的UV</a:t>
-            </a:r>
-            <a:endParaRPr lang="zh-CN" altLang="en-US"/>
-          </a:p>
-          <a:p>
-            <a:pPr algn="ctr"/>
-            <a:r>
-              <a:rPr lang="zh-CN" altLang="en-US"/>
-              <a:t>骨骼索引</a:t>
-            </a:r>
-            <a:endParaRPr lang="zh-CN" altLang="en-US"/>
-          </a:p>
-        </p:txBody>
-      </p:sp>
-      <p:sp>
-        <p:nvSpPr>
-          <p:cNvPr id="61" name="圆角矩形 60"/>
-          <p:cNvSpPr/>
-          <p:nvPr/>
-        </p:nvSpPr>
-        <p:spPr>
-          <a:xfrm>
-            <a:off x="344805" y="4633595"/>
-            <a:ext cx="1989455" cy="1724025"/>
-          </a:xfrm>
-          <a:prstGeom prst="roundRect">
-            <a:avLst/>
-          </a:prstGeom>
-        </p:spPr>
-        <p:style>
-          <a:lnRef idx="2">
-            <a:schemeClr val="accent3">
-              <a:shade val="50000"/>
-            </a:schemeClr>
-          </a:lnRef>
-          <a:fillRef idx="1">
-            <a:schemeClr val="accent3"/>
-          </a:fillRef>
-          <a:effectRef idx="0">
-            <a:schemeClr val="accent3"/>
-          </a:effectRef>
-          <a:fontRef idx="minor">
-            <a:schemeClr val="lt1"/>
-          </a:fontRef>
-        </p:style>
-        <p:txBody>
-          <a:bodyPr rtlCol="0" anchor="ctr"/>
-          <a:p>
-            <a:pPr algn="ctr"/>
-            <a:r>
-              <a:rPr lang="zh-CN" altLang="en-US"/>
-              <a:t>对象的</a:t>
-            </a:r>
-            <a:r>
-              <a:rPr lang="zh-CN" altLang="en-US"/>
-              <a:t>变换矩阵</a:t>
-            </a:r>
-            <a:endParaRPr lang="zh-CN" altLang="en-US"/>
-          </a:p>
-          <a:p>
-            <a:pPr algn="ctr"/>
-            <a:r>
-              <a:rPr lang="zh-CN" altLang="en-US"/>
-              <a:t>动画播放速度</a:t>
-            </a:r>
-            <a:endParaRPr lang="zh-CN" altLang="en-US"/>
-          </a:p>
-          <a:p>
-            <a:pPr algn="ctr"/>
-            <a:r>
-              <a:rPr lang="zh-CN" altLang="en-US"/>
-              <a:t>动画类型</a:t>
-            </a:r>
-            <a:endParaRPr lang="zh-CN" altLang="en-US"/>
-          </a:p>
-          <a:p>
-            <a:pPr algn="ctr"/>
-            <a:r>
-              <a:rPr lang="zh-CN" altLang="en-US"/>
-              <a:t>贴图类型</a:t>
-            </a:r>
-            <a:endParaRPr lang="zh-CN" altLang="en-US"/>
-          </a:p>
-          <a:p>
-            <a:pPr algn="ctr"/>
-            <a:r>
-              <a:rPr lang="zh-CN" altLang="en-US"/>
-              <a:t>色调</a:t>
-            </a:r>
-            <a:endParaRPr lang="zh-CN" altLang="en-US"/>
-          </a:p>
-        </p:txBody>
-      </p:sp>
-      <p:sp>
-        <p:nvSpPr>
-          <p:cNvPr id="73" name="五边形 72"/>
-          <p:cNvSpPr/>
-          <p:nvPr/>
-        </p:nvSpPr>
-        <p:spPr>
-          <a:xfrm>
-            <a:off x="363855" y="2758440"/>
-            <a:ext cx="1223645" cy="417830"/>
-          </a:xfrm>
-          <a:prstGeom prst="homePlate">
-            <a:avLst/>
-          </a:prstGeom>
-        </p:spPr>
-        <p:style>
-          <a:lnRef idx="2">
-            <a:schemeClr val="accent6">
-              <a:shade val="50000"/>
-            </a:schemeClr>
-          </a:lnRef>
-          <a:fillRef idx="1">
-            <a:schemeClr val="accent6"/>
-          </a:fillRef>
-          <a:effectRef idx="0">
-            <a:schemeClr val="accent6"/>
-          </a:effectRef>
-          <a:fontRef idx="minor">
-            <a:schemeClr val="lt1"/>
-          </a:fontRef>
-        </p:style>
-        <p:txBody>
-          <a:bodyPr rtlCol="0" anchor="ctr"/>
-          <a:p>
-            <a:pPr algn="ctr"/>
-            <a:r>
-              <a:rPr lang="zh-CN" altLang="en-US"/>
-              <a:t>顶点数据</a:t>
-            </a:r>
-            <a:endParaRPr lang="zh-CN" altLang="en-US"/>
-          </a:p>
-        </p:txBody>
-      </p:sp>
-      <p:sp>
-        <p:nvSpPr>
-          <p:cNvPr id="75" name="五边形 74"/>
-          <p:cNvSpPr/>
-          <p:nvPr/>
-        </p:nvSpPr>
-        <p:spPr>
-          <a:xfrm>
-            <a:off x="385445" y="4329430"/>
-            <a:ext cx="1223645" cy="417830"/>
-          </a:xfrm>
-          <a:prstGeom prst="homePlate">
-            <a:avLst/>
-          </a:prstGeom>
-        </p:spPr>
-        <p:style>
-          <a:lnRef idx="2">
-            <a:schemeClr val="accent6">
-              <a:shade val="50000"/>
-            </a:schemeClr>
-          </a:lnRef>
-          <a:fillRef idx="1">
-            <a:schemeClr val="accent6"/>
-          </a:fillRef>
-          <a:effectRef idx="0">
-            <a:schemeClr val="accent6"/>
-          </a:effectRef>
-          <a:fontRef idx="minor">
-            <a:schemeClr val="lt1"/>
-          </a:fontRef>
-        </p:style>
-        <p:txBody>
-          <a:bodyPr rtlCol="0" anchor="ctr"/>
-          <a:p>
-            <a:pPr algn="ctr"/>
-            <a:r>
-              <a:rPr lang="zh-CN" altLang="en-US"/>
-              <a:t>对象</a:t>
-            </a:r>
-            <a:r>
-              <a:rPr lang="zh-CN" altLang="en-US"/>
-              <a:t>数据</a:t>
-            </a:r>
-            <a:endParaRPr lang="zh-CN" altLang="en-US"/>
-          </a:p>
-        </p:txBody>
-      </p:sp>
-      <p:sp>
-        <p:nvSpPr>
-          <p:cNvPr id="5" name="文本框 4"/>
-          <p:cNvSpPr txBox="1"/>
-          <p:nvPr/>
-        </p:nvSpPr>
-        <p:spPr>
-          <a:xfrm>
-            <a:off x="6219825" y="5010785"/>
-            <a:ext cx="2181860" cy="1938020"/>
-          </a:xfrm>
-          <a:prstGeom prst="rect">
-            <a:avLst/>
-          </a:prstGeom>
-          <a:noFill/>
-        </p:spPr>
-        <p:txBody>
-          <a:bodyPr wrap="square" rtlCol="0">
-            <a:spAutoFit/>
-          </a:bodyPr>
-          <a:p>
-            <a:pPr algn="ctr"/>
-            <a:r>
-              <a:rPr lang="en-US" altLang="zh-CN" sz="2400" b="1">
-                <a:solidFill>
-                  <a:srgbClr val="FF0000"/>
-                </a:solidFill>
-              </a:rPr>
-              <a:t>1. </a:t>
-            </a:r>
-            <a:r>
-              <a:rPr lang="zh-CN" altLang="en-US" sz="2400" b="1">
-                <a:solidFill>
-                  <a:srgbClr val="FF0000"/>
-                </a:solidFill>
-              </a:rPr>
-              <a:t>插入示意图</a:t>
-            </a:r>
-            <a:endParaRPr lang="zh-CN" altLang="en-US" sz="2400" b="1">
-              <a:solidFill>
-                <a:srgbClr val="FF0000"/>
-              </a:solidFill>
-            </a:endParaRPr>
-          </a:p>
-          <a:p>
-            <a:pPr algn="ctr"/>
-            <a:r>
-              <a:rPr lang="en-US" altLang="zh-CN" sz="2400" b="1">
-                <a:solidFill>
-                  <a:srgbClr val="FF0000"/>
-                </a:solidFill>
-              </a:rPr>
-              <a:t>2. </a:t>
-            </a:r>
-            <a:r>
-              <a:rPr lang="zh-CN" altLang="en-US" sz="2400" b="1">
-                <a:solidFill>
-                  <a:srgbClr val="FF0000"/>
-                </a:solidFill>
-              </a:rPr>
-              <a:t>用一个实例</a:t>
-            </a:r>
-            <a:r>
-              <a:rPr lang="zh-CN" altLang="en-US" sz="2400" b="1">
-                <a:solidFill>
-                  <a:srgbClr val="FF0000"/>
-                </a:solidFill>
-              </a:rPr>
-              <a:t>将算法的流程的步骤一部</a:t>
-            </a:r>
-            <a:r>
-              <a:rPr lang="zh-CN" altLang="en-US" sz="2400" b="1">
-                <a:solidFill>
-                  <a:srgbClr val="FF0000"/>
-                </a:solidFill>
-              </a:rPr>
-              <a:t>展示出来</a:t>
-            </a:r>
-            <a:endParaRPr lang="zh-CN" altLang="en-US" sz="2400" b="1">
-              <a:solidFill>
-                <a:srgbClr val="FF0000"/>
-              </a:solidFill>
-            </a:endParaRPr>
-          </a:p>
-        </p:txBody>
-      </p:sp>
-      <p:sp>
-        <p:nvSpPr>
-          <p:cNvPr id="6" name="右箭头 5"/>
-          <p:cNvSpPr/>
-          <p:nvPr/>
-        </p:nvSpPr>
-        <p:spPr>
-          <a:xfrm rot="18360000">
-            <a:off x="8199755" y="4548505"/>
-            <a:ext cx="697865" cy="427990"/>
-          </a:xfrm>
-          <a:prstGeom prst="rightArrow">
-            <a:avLst/>
-          </a:prstGeom>
-        </p:spPr>
-        <p:style>
-          <a:lnRef idx="2">
-            <a:schemeClr val="accent1">
-              <a:shade val="50000"/>
-            </a:schemeClr>
-          </a:lnRef>
-          <a:fillRef idx="1">
-            <a:schemeClr val="accent1"/>
-          </a:fillRef>
-          <a:effectRef idx="0">
-            <a:schemeClr val="accent1"/>
-          </a:effectRef>
-          <a:fontRef idx="minor">
-            <a:schemeClr val="lt1"/>
-          </a:fontRef>
-        </p:style>
-        <p:txBody>
-          <a:bodyPr rtlCol="0" anchor="ctr"/>
-          <a:p>
-            <a:pPr algn="ctr"/>
-            <a:endParaRPr lang="zh-CN" altLang="en-US"/>
-          </a:p>
-        </p:txBody>
-      </p:sp>
-      <p:sp>
-        <p:nvSpPr>
-          <p:cNvPr id="7" name="右箭头 6"/>
-          <p:cNvSpPr/>
-          <p:nvPr/>
-        </p:nvSpPr>
-        <p:spPr>
-          <a:xfrm rot="13320000">
-            <a:off x="5511800" y="4594225"/>
-            <a:ext cx="881380" cy="427990"/>
           </a:xfrm>
           <a:prstGeom prst="rightArrow">
             <a:avLst/>
